--- a/lectures/CS-211 Data Structure & Algorithms_Lecture4.pptx
+++ b/lectures/CS-211 Data Structure & Algorithms_Lecture4.pptx
@@ -237,7 +237,7 @@
           <a:p>
             <a:fld id="{667E8016-AED8-4194-B439-81115742F6A2}" type="datetimeFigureOut">
               <a:rPr lang="en-US" smtClean="0"/>
-              <a:t>12/7/2021</a:t>
+              <a:t>11/7/2022</a:t>
             </a:fld>
             <a:endParaRPr lang="en-US"/>
           </a:p>
@@ -526,7 +526,7 @@
           <p:cNvPr id="2" name="Title 1">
             <a:extLst>
               <a:ext uri="{FF2B5EF4-FFF2-40B4-BE49-F238E27FC236}">
-                <a16:creationId xmlns:a16="http://schemas.microsoft.com/office/drawing/2014/main" id="{888D24A5-ABDE-4587-A680-B331AA6D745C}"/>
+                <a16:creationId xmlns:a16="http://schemas.microsoft.com/office/drawing/2014/main" xmlns="" id="{888D24A5-ABDE-4587-A680-B331AA6D745C}"/>
               </a:ext>
             </a:extLst>
           </p:cNvPr>
@@ -563,7 +563,7 @@
           <p:cNvPr id="3" name="Subtitle 2">
             <a:extLst>
               <a:ext uri="{FF2B5EF4-FFF2-40B4-BE49-F238E27FC236}">
-                <a16:creationId xmlns:a16="http://schemas.microsoft.com/office/drawing/2014/main" id="{790BDBD1-47EB-45AC-8AFE-9777FA70FD64}"/>
+                <a16:creationId xmlns:a16="http://schemas.microsoft.com/office/drawing/2014/main" xmlns="" id="{790BDBD1-47EB-45AC-8AFE-9777FA70FD64}"/>
               </a:ext>
             </a:extLst>
           </p:cNvPr>
@@ -633,7 +633,7 @@
           <p:cNvPr id="4" name="Date Placeholder 3">
             <a:extLst>
               <a:ext uri="{FF2B5EF4-FFF2-40B4-BE49-F238E27FC236}">
-                <a16:creationId xmlns:a16="http://schemas.microsoft.com/office/drawing/2014/main" id="{E506AACB-87E9-40D8-BE95-C327315C917C}"/>
+                <a16:creationId xmlns:a16="http://schemas.microsoft.com/office/drawing/2014/main" xmlns="" id="{E506AACB-87E9-40D8-BE95-C327315C917C}"/>
               </a:ext>
             </a:extLst>
           </p:cNvPr>
@@ -658,7 +658,7 @@
           <p:cNvPr id="5" name="Footer Placeholder 4">
             <a:extLst>
               <a:ext uri="{FF2B5EF4-FFF2-40B4-BE49-F238E27FC236}">
-                <a16:creationId xmlns:a16="http://schemas.microsoft.com/office/drawing/2014/main" id="{6A95AD5E-8D33-4DCC-BE29-795CEC1C4BCC}"/>
+                <a16:creationId xmlns:a16="http://schemas.microsoft.com/office/drawing/2014/main" xmlns="" id="{6A95AD5E-8D33-4DCC-BE29-795CEC1C4BCC}"/>
               </a:ext>
             </a:extLst>
           </p:cNvPr>
@@ -683,7 +683,7 @@
           <p:cNvPr id="6" name="Slide Number Placeholder 5">
             <a:extLst>
               <a:ext uri="{FF2B5EF4-FFF2-40B4-BE49-F238E27FC236}">
-                <a16:creationId xmlns:a16="http://schemas.microsoft.com/office/drawing/2014/main" id="{CC73C74B-7C4F-4550-8C54-0FC5AB4328B3}"/>
+                <a16:creationId xmlns:a16="http://schemas.microsoft.com/office/drawing/2014/main" xmlns="" id="{CC73C74B-7C4F-4550-8C54-0FC5AB4328B3}"/>
               </a:ext>
             </a:extLst>
           </p:cNvPr>
@@ -742,7 +742,7 @@
           <p:cNvPr id="2" name="Title 1">
             <a:extLst>
               <a:ext uri="{FF2B5EF4-FFF2-40B4-BE49-F238E27FC236}">
-                <a16:creationId xmlns:a16="http://schemas.microsoft.com/office/drawing/2014/main" id="{04A1B42D-379A-4BBE-8D52-DCF708C2B653}"/>
+                <a16:creationId xmlns:a16="http://schemas.microsoft.com/office/drawing/2014/main" xmlns="" id="{04A1B42D-379A-4BBE-8D52-DCF708C2B653}"/>
               </a:ext>
             </a:extLst>
           </p:cNvPr>
@@ -770,7 +770,7 @@
           <p:cNvPr id="3" name="Vertical Text Placeholder 2">
             <a:extLst>
               <a:ext uri="{FF2B5EF4-FFF2-40B4-BE49-F238E27FC236}">
-                <a16:creationId xmlns:a16="http://schemas.microsoft.com/office/drawing/2014/main" id="{3A95A927-BF6A-4A14-B12D-D85832D00BF3}"/>
+                <a16:creationId xmlns:a16="http://schemas.microsoft.com/office/drawing/2014/main" xmlns="" id="{3A95A927-BF6A-4A14-B12D-D85832D00BF3}"/>
               </a:ext>
             </a:extLst>
           </p:cNvPr>
@@ -827,7 +827,7 @@
           <p:cNvPr id="4" name="Date Placeholder 3">
             <a:extLst>
               <a:ext uri="{FF2B5EF4-FFF2-40B4-BE49-F238E27FC236}">
-                <a16:creationId xmlns:a16="http://schemas.microsoft.com/office/drawing/2014/main" id="{EFBD3C8B-30C0-46DD-AB96-EF6D266C043A}"/>
+                <a16:creationId xmlns:a16="http://schemas.microsoft.com/office/drawing/2014/main" xmlns="" id="{EFBD3C8B-30C0-46DD-AB96-EF6D266C043A}"/>
               </a:ext>
             </a:extLst>
           </p:cNvPr>
@@ -852,7 +852,7 @@
           <p:cNvPr id="5" name="Footer Placeholder 4">
             <a:extLst>
               <a:ext uri="{FF2B5EF4-FFF2-40B4-BE49-F238E27FC236}">
-                <a16:creationId xmlns:a16="http://schemas.microsoft.com/office/drawing/2014/main" id="{B2607A36-C3EA-4ECC-9AFA-C2936F460820}"/>
+                <a16:creationId xmlns:a16="http://schemas.microsoft.com/office/drawing/2014/main" xmlns="" id="{B2607A36-C3EA-4ECC-9AFA-C2936F460820}"/>
               </a:ext>
             </a:extLst>
           </p:cNvPr>
@@ -877,7 +877,7 @@
           <p:cNvPr id="6" name="Slide Number Placeholder 5">
             <a:extLst>
               <a:ext uri="{FF2B5EF4-FFF2-40B4-BE49-F238E27FC236}">
-                <a16:creationId xmlns:a16="http://schemas.microsoft.com/office/drawing/2014/main" id="{CB8F7E96-5913-4827-9F7D-BDBCBE60F934}"/>
+                <a16:creationId xmlns:a16="http://schemas.microsoft.com/office/drawing/2014/main" xmlns="" id="{CB8F7E96-5913-4827-9F7D-BDBCBE60F934}"/>
               </a:ext>
             </a:extLst>
           </p:cNvPr>
@@ -936,7 +936,7 @@
           <p:cNvPr id="2" name="Vertical Title 1">
             <a:extLst>
               <a:ext uri="{FF2B5EF4-FFF2-40B4-BE49-F238E27FC236}">
-                <a16:creationId xmlns:a16="http://schemas.microsoft.com/office/drawing/2014/main" id="{D1239B13-3DFD-4159-8861-34456C2B150F}"/>
+                <a16:creationId xmlns:a16="http://schemas.microsoft.com/office/drawing/2014/main" xmlns="" id="{D1239B13-3DFD-4159-8861-34456C2B150F}"/>
               </a:ext>
             </a:extLst>
           </p:cNvPr>
@@ -969,7 +969,7 @@
           <p:cNvPr id="3" name="Vertical Text Placeholder 2">
             <a:extLst>
               <a:ext uri="{FF2B5EF4-FFF2-40B4-BE49-F238E27FC236}">
-                <a16:creationId xmlns:a16="http://schemas.microsoft.com/office/drawing/2014/main" id="{5AEA3E0B-9999-4B72-AAF5-049777652117}"/>
+                <a16:creationId xmlns:a16="http://schemas.microsoft.com/office/drawing/2014/main" xmlns="" id="{5AEA3E0B-9999-4B72-AAF5-049777652117}"/>
               </a:ext>
             </a:extLst>
           </p:cNvPr>
@@ -1031,7 +1031,7 @@
           <p:cNvPr id="4" name="Date Placeholder 3">
             <a:extLst>
               <a:ext uri="{FF2B5EF4-FFF2-40B4-BE49-F238E27FC236}">
-                <a16:creationId xmlns:a16="http://schemas.microsoft.com/office/drawing/2014/main" id="{05B8E17E-5AEA-4166-9EE1-51FADD7C5787}"/>
+                <a16:creationId xmlns:a16="http://schemas.microsoft.com/office/drawing/2014/main" xmlns="" id="{05B8E17E-5AEA-4166-9EE1-51FADD7C5787}"/>
               </a:ext>
             </a:extLst>
           </p:cNvPr>
@@ -1056,7 +1056,7 @@
           <p:cNvPr id="5" name="Footer Placeholder 4">
             <a:extLst>
               <a:ext uri="{FF2B5EF4-FFF2-40B4-BE49-F238E27FC236}">
-                <a16:creationId xmlns:a16="http://schemas.microsoft.com/office/drawing/2014/main" id="{7040A926-F466-4FC5-A8A1-15D34D033807}"/>
+                <a16:creationId xmlns:a16="http://schemas.microsoft.com/office/drawing/2014/main" xmlns="" id="{7040A926-F466-4FC5-A8A1-15D34D033807}"/>
               </a:ext>
             </a:extLst>
           </p:cNvPr>
@@ -1081,7 +1081,7 @@
           <p:cNvPr id="6" name="Slide Number Placeholder 5">
             <a:extLst>
               <a:ext uri="{FF2B5EF4-FFF2-40B4-BE49-F238E27FC236}">
-                <a16:creationId xmlns:a16="http://schemas.microsoft.com/office/drawing/2014/main" id="{169E1F51-FB98-414C-A530-A33B5C8F69F9}"/>
+                <a16:creationId xmlns:a16="http://schemas.microsoft.com/office/drawing/2014/main" xmlns="" id="{169E1F51-FB98-414C-A530-A33B5C8F69F9}"/>
               </a:ext>
             </a:extLst>
           </p:cNvPr>
@@ -1140,7 +1140,7 @@
           <p:cNvPr id="2" name="Title 1">
             <a:extLst>
               <a:ext uri="{FF2B5EF4-FFF2-40B4-BE49-F238E27FC236}">
-                <a16:creationId xmlns:a16="http://schemas.microsoft.com/office/drawing/2014/main" id="{03E785A9-3E39-4A22-95FE-831453E98122}"/>
+                <a16:creationId xmlns:a16="http://schemas.microsoft.com/office/drawing/2014/main" xmlns="" id="{03E785A9-3E39-4A22-95FE-831453E98122}"/>
               </a:ext>
             </a:extLst>
           </p:cNvPr>
@@ -1168,7 +1168,7 @@
           <p:cNvPr id="3" name="Content Placeholder 2">
             <a:extLst>
               <a:ext uri="{FF2B5EF4-FFF2-40B4-BE49-F238E27FC236}">
-                <a16:creationId xmlns:a16="http://schemas.microsoft.com/office/drawing/2014/main" id="{4C7F1EDB-EDB5-4CA4-8EC2-6EB4678195F1}"/>
+                <a16:creationId xmlns:a16="http://schemas.microsoft.com/office/drawing/2014/main" xmlns="" id="{4C7F1EDB-EDB5-4CA4-8EC2-6EB4678195F1}"/>
               </a:ext>
             </a:extLst>
           </p:cNvPr>
@@ -1225,7 +1225,7 @@
           <p:cNvPr id="5" name="Footer Placeholder 4">
             <a:extLst>
               <a:ext uri="{FF2B5EF4-FFF2-40B4-BE49-F238E27FC236}">
-                <a16:creationId xmlns:a16="http://schemas.microsoft.com/office/drawing/2014/main" id="{E846A349-3936-48BF-9996-9BF94451239F}"/>
+                <a16:creationId xmlns:a16="http://schemas.microsoft.com/office/drawing/2014/main" xmlns="" id="{E846A349-3936-48BF-9996-9BF94451239F}"/>
               </a:ext>
             </a:extLst>
           </p:cNvPr>
@@ -1250,7 +1250,7 @@
           <p:cNvPr id="6" name="Slide Number Placeholder 5">
             <a:extLst>
               <a:ext uri="{FF2B5EF4-FFF2-40B4-BE49-F238E27FC236}">
-                <a16:creationId xmlns:a16="http://schemas.microsoft.com/office/drawing/2014/main" id="{B647D452-F1E8-4601-A844-8AD6A87941C5}"/>
+                <a16:creationId xmlns:a16="http://schemas.microsoft.com/office/drawing/2014/main" xmlns="" id="{B647D452-F1E8-4601-A844-8AD6A87941C5}"/>
               </a:ext>
             </a:extLst>
           </p:cNvPr>
@@ -1309,7 +1309,7 @@
           <p:cNvPr id="2" name="Title 1">
             <a:extLst>
               <a:ext uri="{FF2B5EF4-FFF2-40B4-BE49-F238E27FC236}">
-                <a16:creationId xmlns:a16="http://schemas.microsoft.com/office/drawing/2014/main" id="{01E62B5C-99E4-4F92-BCB1-30BFB14F74D3}"/>
+                <a16:creationId xmlns:a16="http://schemas.microsoft.com/office/drawing/2014/main" xmlns="" id="{01E62B5C-99E4-4F92-BCB1-30BFB14F74D3}"/>
               </a:ext>
             </a:extLst>
           </p:cNvPr>
@@ -1346,7 +1346,7 @@
           <p:cNvPr id="3" name="Text Placeholder 2">
             <a:extLst>
               <a:ext uri="{FF2B5EF4-FFF2-40B4-BE49-F238E27FC236}">
-                <a16:creationId xmlns:a16="http://schemas.microsoft.com/office/drawing/2014/main" id="{FE30368A-03E9-4740-936C-4CBA2E281B82}"/>
+                <a16:creationId xmlns:a16="http://schemas.microsoft.com/office/drawing/2014/main" xmlns="" id="{FE30368A-03E9-4740-936C-4CBA2E281B82}"/>
               </a:ext>
             </a:extLst>
           </p:cNvPr>
@@ -1471,7 +1471,7 @@
           <p:cNvPr id="4" name="Date Placeholder 3">
             <a:extLst>
               <a:ext uri="{FF2B5EF4-FFF2-40B4-BE49-F238E27FC236}">
-                <a16:creationId xmlns:a16="http://schemas.microsoft.com/office/drawing/2014/main" id="{A8EE22F5-B212-471B-BF8F-BDC1473735B6}"/>
+                <a16:creationId xmlns:a16="http://schemas.microsoft.com/office/drawing/2014/main" xmlns="" id="{A8EE22F5-B212-471B-BF8F-BDC1473735B6}"/>
               </a:ext>
             </a:extLst>
           </p:cNvPr>
@@ -1496,7 +1496,7 @@
           <p:cNvPr id="5" name="Footer Placeholder 4">
             <a:extLst>
               <a:ext uri="{FF2B5EF4-FFF2-40B4-BE49-F238E27FC236}">
-                <a16:creationId xmlns:a16="http://schemas.microsoft.com/office/drawing/2014/main" id="{D48A793D-FC10-45E4-859A-BE461EC16179}"/>
+                <a16:creationId xmlns:a16="http://schemas.microsoft.com/office/drawing/2014/main" xmlns="" id="{D48A793D-FC10-45E4-859A-BE461EC16179}"/>
               </a:ext>
             </a:extLst>
           </p:cNvPr>
@@ -1521,7 +1521,7 @@
           <p:cNvPr id="6" name="Slide Number Placeholder 5">
             <a:extLst>
               <a:ext uri="{FF2B5EF4-FFF2-40B4-BE49-F238E27FC236}">
-                <a16:creationId xmlns:a16="http://schemas.microsoft.com/office/drawing/2014/main" id="{A3E15C35-6D5B-477A-A30E-95DA7A45EBA2}"/>
+                <a16:creationId xmlns:a16="http://schemas.microsoft.com/office/drawing/2014/main" xmlns="" id="{A3E15C35-6D5B-477A-A30E-95DA7A45EBA2}"/>
               </a:ext>
             </a:extLst>
           </p:cNvPr>
@@ -1580,7 +1580,7 @@
           <p:cNvPr id="2" name="Title 1">
             <a:extLst>
               <a:ext uri="{FF2B5EF4-FFF2-40B4-BE49-F238E27FC236}">
-                <a16:creationId xmlns:a16="http://schemas.microsoft.com/office/drawing/2014/main" id="{D28C50FB-AD4B-4138-B9C4-0F622E8C7FEE}"/>
+                <a16:creationId xmlns:a16="http://schemas.microsoft.com/office/drawing/2014/main" xmlns="" id="{D28C50FB-AD4B-4138-B9C4-0F622E8C7FEE}"/>
               </a:ext>
             </a:extLst>
           </p:cNvPr>
@@ -1608,7 +1608,7 @@
           <p:cNvPr id="3" name="Content Placeholder 2">
             <a:extLst>
               <a:ext uri="{FF2B5EF4-FFF2-40B4-BE49-F238E27FC236}">
-                <a16:creationId xmlns:a16="http://schemas.microsoft.com/office/drawing/2014/main" id="{A19F9CD5-302B-4813-8DE5-759113C75C60}"/>
+                <a16:creationId xmlns:a16="http://schemas.microsoft.com/office/drawing/2014/main" xmlns="" id="{A19F9CD5-302B-4813-8DE5-759113C75C60}"/>
               </a:ext>
             </a:extLst>
           </p:cNvPr>
@@ -1670,7 +1670,7 @@
           <p:cNvPr id="4" name="Content Placeholder 3">
             <a:extLst>
               <a:ext uri="{FF2B5EF4-FFF2-40B4-BE49-F238E27FC236}">
-                <a16:creationId xmlns:a16="http://schemas.microsoft.com/office/drawing/2014/main" id="{D643EA45-3EAC-4448-BDA7-1661B0633510}"/>
+                <a16:creationId xmlns:a16="http://schemas.microsoft.com/office/drawing/2014/main" xmlns="" id="{D643EA45-3EAC-4448-BDA7-1661B0633510}"/>
               </a:ext>
             </a:extLst>
           </p:cNvPr>
@@ -1732,7 +1732,7 @@
           <p:cNvPr id="5" name="Date Placeholder 4">
             <a:extLst>
               <a:ext uri="{FF2B5EF4-FFF2-40B4-BE49-F238E27FC236}">
-                <a16:creationId xmlns:a16="http://schemas.microsoft.com/office/drawing/2014/main" id="{499AFD92-D8DF-460B-987B-9DFE0187DFE9}"/>
+                <a16:creationId xmlns:a16="http://schemas.microsoft.com/office/drawing/2014/main" xmlns="" id="{499AFD92-D8DF-460B-987B-9DFE0187DFE9}"/>
               </a:ext>
             </a:extLst>
           </p:cNvPr>
@@ -1757,7 +1757,7 @@
           <p:cNvPr id="6" name="Footer Placeholder 5">
             <a:extLst>
               <a:ext uri="{FF2B5EF4-FFF2-40B4-BE49-F238E27FC236}">
-                <a16:creationId xmlns:a16="http://schemas.microsoft.com/office/drawing/2014/main" id="{1838CFE7-5112-422A-9477-CC6EA41FC2CF}"/>
+                <a16:creationId xmlns:a16="http://schemas.microsoft.com/office/drawing/2014/main" xmlns="" id="{1838CFE7-5112-422A-9477-CC6EA41FC2CF}"/>
               </a:ext>
             </a:extLst>
           </p:cNvPr>
@@ -1782,7 +1782,7 @@
           <p:cNvPr id="7" name="Slide Number Placeholder 6">
             <a:extLst>
               <a:ext uri="{FF2B5EF4-FFF2-40B4-BE49-F238E27FC236}">
-                <a16:creationId xmlns:a16="http://schemas.microsoft.com/office/drawing/2014/main" id="{3B80B81C-7F80-460C-9371-1386136D8D63}"/>
+                <a16:creationId xmlns:a16="http://schemas.microsoft.com/office/drawing/2014/main" xmlns="" id="{3B80B81C-7F80-460C-9371-1386136D8D63}"/>
               </a:ext>
             </a:extLst>
           </p:cNvPr>
@@ -1841,7 +1841,7 @@
           <p:cNvPr id="2" name="Title 1">
             <a:extLst>
               <a:ext uri="{FF2B5EF4-FFF2-40B4-BE49-F238E27FC236}">
-                <a16:creationId xmlns:a16="http://schemas.microsoft.com/office/drawing/2014/main" id="{33CD971C-3F95-4420-8038-F4EF2CB903B7}"/>
+                <a16:creationId xmlns:a16="http://schemas.microsoft.com/office/drawing/2014/main" xmlns="" id="{33CD971C-3F95-4420-8038-F4EF2CB903B7}"/>
               </a:ext>
             </a:extLst>
           </p:cNvPr>
@@ -1874,7 +1874,7 @@
           <p:cNvPr id="3" name="Text Placeholder 2">
             <a:extLst>
               <a:ext uri="{FF2B5EF4-FFF2-40B4-BE49-F238E27FC236}">
-                <a16:creationId xmlns:a16="http://schemas.microsoft.com/office/drawing/2014/main" id="{065A6092-9BA4-4D65-9BB2-8838B2FAB70B}"/>
+                <a16:creationId xmlns:a16="http://schemas.microsoft.com/office/drawing/2014/main" xmlns="" id="{065A6092-9BA4-4D65-9BB2-8838B2FAB70B}"/>
               </a:ext>
             </a:extLst>
           </p:cNvPr>
@@ -1945,7 +1945,7 @@
           <p:cNvPr id="4" name="Content Placeholder 3">
             <a:extLst>
               <a:ext uri="{FF2B5EF4-FFF2-40B4-BE49-F238E27FC236}">
-                <a16:creationId xmlns:a16="http://schemas.microsoft.com/office/drawing/2014/main" id="{F666F7C5-5205-4EF1-B237-1DF1669C2136}"/>
+                <a16:creationId xmlns:a16="http://schemas.microsoft.com/office/drawing/2014/main" xmlns="" id="{F666F7C5-5205-4EF1-B237-1DF1669C2136}"/>
               </a:ext>
             </a:extLst>
           </p:cNvPr>
@@ -2007,7 +2007,7 @@
           <p:cNvPr id="5" name="Text Placeholder 4">
             <a:extLst>
               <a:ext uri="{FF2B5EF4-FFF2-40B4-BE49-F238E27FC236}">
-                <a16:creationId xmlns:a16="http://schemas.microsoft.com/office/drawing/2014/main" id="{BC497FC2-381B-49F3-9794-6852C472810B}"/>
+                <a16:creationId xmlns:a16="http://schemas.microsoft.com/office/drawing/2014/main" xmlns="" id="{BC497FC2-381B-49F3-9794-6852C472810B}"/>
               </a:ext>
             </a:extLst>
           </p:cNvPr>
@@ -2078,7 +2078,7 @@
           <p:cNvPr id="6" name="Content Placeholder 5">
             <a:extLst>
               <a:ext uri="{FF2B5EF4-FFF2-40B4-BE49-F238E27FC236}">
-                <a16:creationId xmlns:a16="http://schemas.microsoft.com/office/drawing/2014/main" id="{E8324255-A4AE-4823-8CC7-EFEB329E816C}"/>
+                <a16:creationId xmlns:a16="http://schemas.microsoft.com/office/drawing/2014/main" xmlns="" id="{E8324255-A4AE-4823-8CC7-EFEB329E816C}"/>
               </a:ext>
             </a:extLst>
           </p:cNvPr>
@@ -2140,7 +2140,7 @@
           <p:cNvPr id="7" name="Date Placeholder 6">
             <a:extLst>
               <a:ext uri="{FF2B5EF4-FFF2-40B4-BE49-F238E27FC236}">
-                <a16:creationId xmlns:a16="http://schemas.microsoft.com/office/drawing/2014/main" id="{CDF76011-7229-4FEC-89B3-AEBF80B64F62}"/>
+                <a16:creationId xmlns:a16="http://schemas.microsoft.com/office/drawing/2014/main" xmlns="" id="{CDF76011-7229-4FEC-89B3-AEBF80B64F62}"/>
               </a:ext>
             </a:extLst>
           </p:cNvPr>
@@ -2165,7 +2165,7 @@
           <p:cNvPr id="8" name="Footer Placeholder 7">
             <a:extLst>
               <a:ext uri="{FF2B5EF4-FFF2-40B4-BE49-F238E27FC236}">
-                <a16:creationId xmlns:a16="http://schemas.microsoft.com/office/drawing/2014/main" id="{473F21C2-8BEB-4BE1-946E-361F46D961A2}"/>
+                <a16:creationId xmlns:a16="http://schemas.microsoft.com/office/drawing/2014/main" xmlns="" id="{473F21C2-8BEB-4BE1-946E-361F46D961A2}"/>
               </a:ext>
             </a:extLst>
           </p:cNvPr>
@@ -2190,7 +2190,7 @@
           <p:cNvPr id="9" name="Slide Number Placeholder 8">
             <a:extLst>
               <a:ext uri="{FF2B5EF4-FFF2-40B4-BE49-F238E27FC236}">
-                <a16:creationId xmlns:a16="http://schemas.microsoft.com/office/drawing/2014/main" id="{961C2FA7-98C9-4ED6-8566-1E69DB1ED2B9}"/>
+                <a16:creationId xmlns:a16="http://schemas.microsoft.com/office/drawing/2014/main" xmlns="" id="{961C2FA7-98C9-4ED6-8566-1E69DB1ED2B9}"/>
               </a:ext>
             </a:extLst>
           </p:cNvPr>
@@ -2249,7 +2249,7 @@
           <p:cNvPr id="2" name="Title 1">
             <a:extLst>
               <a:ext uri="{FF2B5EF4-FFF2-40B4-BE49-F238E27FC236}">
-                <a16:creationId xmlns:a16="http://schemas.microsoft.com/office/drawing/2014/main" id="{59D6DA1D-0C36-4228-868D-4848B09617FF}"/>
+                <a16:creationId xmlns:a16="http://schemas.microsoft.com/office/drawing/2014/main" xmlns="" id="{59D6DA1D-0C36-4228-868D-4848B09617FF}"/>
               </a:ext>
             </a:extLst>
           </p:cNvPr>
@@ -2277,7 +2277,7 @@
           <p:cNvPr id="3" name="Date Placeholder 2">
             <a:extLst>
               <a:ext uri="{FF2B5EF4-FFF2-40B4-BE49-F238E27FC236}">
-                <a16:creationId xmlns:a16="http://schemas.microsoft.com/office/drawing/2014/main" id="{18999AFF-50F0-48C1-8821-3E101531AFD8}"/>
+                <a16:creationId xmlns:a16="http://schemas.microsoft.com/office/drawing/2014/main" xmlns="" id="{18999AFF-50F0-48C1-8821-3E101531AFD8}"/>
               </a:ext>
             </a:extLst>
           </p:cNvPr>
@@ -2302,7 +2302,7 @@
           <p:cNvPr id="4" name="Footer Placeholder 3">
             <a:extLst>
               <a:ext uri="{FF2B5EF4-FFF2-40B4-BE49-F238E27FC236}">
-                <a16:creationId xmlns:a16="http://schemas.microsoft.com/office/drawing/2014/main" id="{6FDA3EAA-338E-4FA4-ADD5-4DA409992D09}"/>
+                <a16:creationId xmlns:a16="http://schemas.microsoft.com/office/drawing/2014/main" xmlns="" id="{6FDA3EAA-338E-4FA4-ADD5-4DA409992D09}"/>
               </a:ext>
             </a:extLst>
           </p:cNvPr>
@@ -2327,7 +2327,7 @@
           <p:cNvPr id="5" name="Slide Number Placeholder 4">
             <a:extLst>
               <a:ext uri="{FF2B5EF4-FFF2-40B4-BE49-F238E27FC236}">
-                <a16:creationId xmlns:a16="http://schemas.microsoft.com/office/drawing/2014/main" id="{44433984-7FC0-4FAC-8348-31C8387A957F}"/>
+                <a16:creationId xmlns:a16="http://schemas.microsoft.com/office/drawing/2014/main" xmlns="" id="{44433984-7FC0-4FAC-8348-31C8387A957F}"/>
               </a:ext>
             </a:extLst>
           </p:cNvPr>
@@ -2386,7 +2386,7 @@
           <p:cNvPr id="2" name="Date Placeholder 1">
             <a:extLst>
               <a:ext uri="{FF2B5EF4-FFF2-40B4-BE49-F238E27FC236}">
-                <a16:creationId xmlns:a16="http://schemas.microsoft.com/office/drawing/2014/main" id="{6E271D32-041F-40AB-840C-9A75D616CE71}"/>
+                <a16:creationId xmlns:a16="http://schemas.microsoft.com/office/drawing/2014/main" xmlns="" id="{6E271D32-041F-40AB-840C-9A75D616CE71}"/>
               </a:ext>
             </a:extLst>
           </p:cNvPr>
@@ -2411,7 +2411,7 @@
           <p:cNvPr id="3" name="Footer Placeholder 2">
             <a:extLst>
               <a:ext uri="{FF2B5EF4-FFF2-40B4-BE49-F238E27FC236}">
-                <a16:creationId xmlns:a16="http://schemas.microsoft.com/office/drawing/2014/main" id="{091D1762-E4C4-4D4E-AEC5-53137A2AD052}"/>
+                <a16:creationId xmlns:a16="http://schemas.microsoft.com/office/drawing/2014/main" xmlns="" id="{091D1762-E4C4-4D4E-AEC5-53137A2AD052}"/>
               </a:ext>
             </a:extLst>
           </p:cNvPr>
@@ -2436,7 +2436,7 @@
           <p:cNvPr id="4" name="Slide Number Placeholder 3">
             <a:extLst>
               <a:ext uri="{FF2B5EF4-FFF2-40B4-BE49-F238E27FC236}">
-                <a16:creationId xmlns:a16="http://schemas.microsoft.com/office/drawing/2014/main" id="{666DF853-E573-46E5-8ED8-173F1E866453}"/>
+                <a16:creationId xmlns:a16="http://schemas.microsoft.com/office/drawing/2014/main" xmlns="" id="{666DF853-E573-46E5-8ED8-173F1E866453}"/>
               </a:ext>
             </a:extLst>
           </p:cNvPr>
@@ -2495,7 +2495,7 @@
           <p:cNvPr id="2" name="Title 1">
             <a:extLst>
               <a:ext uri="{FF2B5EF4-FFF2-40B4-BE49-F238E27FC236}">
-                <a16:creationId xmlns:a16="http://schemas.microsoft.com/office/drawing/2014/main" id="{EFB5D9F8-C15E-4426-B195-7D907480F88A}"/>
+                <a16:creationId xmlns:a16="http://schemas.microsoft.com/office/drawing/2014/main" xmlns="" id="{EFB5D9F8-C15E-4426-B195-7D907480F88A}"/>
               </a:ext>
             </a:extLst>
           </p:cNvPr>
@@ -2532,7 +2532,7 @@
           <p:cNvPr id="3" name="Content Placeholder 2">
             <a:extLst>
               <a:ext uri="{FF2B5EF4-FFF2-40B4-BE49-F238E27FC236}">
-                <a16:creationId xmlns:a16="http://schemas.microsoft.com/office/drawing/2014/main" id="{45B38C6E-8592-4135-9BDB-2979C266EE6D}"/>
+                <a16:creationId xmlns:a16="http://schemas.microsoft.com/office/drawing/2014/main" xmlns="" id="{45B38C6E-8592-4135-9BDB-2979C266EE6D}"/>
               </a:ext>
             </a:extLst>
           </p:cNvPr>
@@ -2622,7 +2622,7 @@
           <p:cNvPr id="4" name="Text Placeholder 3">
             <a:extLst>
               <a:ext uri="{FF2B5EF4-FFF2-40B4-BE49-F238E27FC236}">
-                <a16:creationId xmlns:a16="http://schemas.microsoft.com/office/drawing/2014/main" id="{D4A740AC-486E-4159-A525-3EB5A4D980BA}"/>
+                <a16:creationId xmlns:a16="http://schemas.microsoft.com/office/drawing/2014/main" xmlns="" id="{D4A740AC-486E-4159-A525-3EB5A4D980BA}"/>
               </a:ext>
             </a:extLst>
           </p:cNvPr>
@@ -2693,7 +2693,7 @@
           <p:cNvPr id="5" name="Date Placeholder 4">
             <a:extLst>
               <a:ext uri="{FF2B5EF4-FFF2-40B4-BE49-F238E27FC236}">
-                <a16:creationId xmlns:a16="http://schemas.microsoft.com/office/drawing/2014/main" id="{14CB49A0-E945-40FB-8519-917315FFC635}"/>
+                <a16:creationId xmlns:a16="http://schemas.microsoft.com/office/drawing/2014/main" xmlns="" id="{14CB49A0-E945-40FB-8519-917315FFC635}"/>
               </a:ext>
             </a:extLst>
           </p:cNvPr>
@@ -2718,7 +2718,7 @@
           <p:cNvPr id="6" name="Footer Placeholder 5">
             <a:extLst>
               <a:ext uri="{FF2B5EF4-FFF2-40B4-BE49-F238E27FC236}">
-                <a16:creationId xmlns:a16="http://schemas.microsoft.com/office/drawing/2014/main" id="{31576EA7-A27D-4986-91CA-5DA64DCB5800}"/>
+                <a16:creationId xmlns:a16="http://schemas.microsoft.com/office/drawing/2014/main" xmlns="" id="{31576EA7-A27D-4986-91CA-5DA64DCB5800}"/>
               </a:ext>
             </a:extLst>
           </p:cNvPr>
@@ -2743,7 +2743,7 @@
           <p:cNvPr id="7" name="Slide Number Placeholder 6">
             <a:extLst>
               <a:ext uri="{FF2B5EF4-FFF2-40B4-BE49-F238E27FC236}">
-                <a16:creationId xmlns:a16="http://schemas.microsoft.com/office/drawing/2014/main" id="{4EA5A981-8A1C-4E16-BE46-85CA460526A8}"/>
+                <a16:creationId xmlns:a16="http://schemas.microsoft.com/office/drawing/2014/main" xmlns="" id="{4EA5A981-8A1C-4E16-BE46-85CA460526A8}"/>
               </a:ext>
             </a:extLst>
           </p:cNvPr>
@@ -2802,7 +2802,7 @@
           <p:cNvPr id="2" name="Title 1">
             <a:extLst>
               <a:ext uri="{FF2B5EF4-FFF2-40B4-BE49-F238E27FC236}">
-                <a16:creationId xmlns:a16="http://schemas.microsoft.com/office/drawing/2014/main" id="{06AF23EB-FC91-4F79-9C42-C2D180F55CCF}"/>
+                <a16:creationId xmlns:a16="http://schemas.microsoft.com/office/drawing/2014/main" xmlns="" id="{06AF23EB-FC91-4F79-9C42-C2D180F55CCF}"/>
               </a:ext>
             </a:extLst>
           </p:cNvPr>
@@ -2839,7 +2839,7 @@
           <p:cNvPr id="3" name="Picture Placeholder 2">
             <a:extLst>
               <a:ext uri="{FF2B5EF4-FFF2-40B4-BE49-F238E27FC236}">
-                <a16:creationId xmlns:a16="http://schemas.microsoft.com/office/drawing/2014/main" id="{F055198E-3A62-468B-89A5-79028037BD23}"/>
+                <a16:creationId xmlns:a16="http://schemas.microsoft.com/office/drawing/2014/main" xmlns="" id="{F055198E-3A62-468B-89A5-79028037BD23}"/>
               </a:ext>
             </a:extLst>
           </p:cNvPr>
@@ -2909,7 +2909,7 @@
           <p:cNvPr id="4" name="Text Placeholder 3">
             <a:extLst>
               <a:ext uri="{FF2B5EF4-FFF2-40B4-BE49-F238E27FC236}">
-                <a16:creationId xmlns:a16="http://schemas.microsoft.com/office/drawing/2014/main" id="{EF8AC7BE-6D72-489E-9138-E457A8789181}"/>
+                <a16:creationId xmlns:a16="http://schemas.microsoft.com/office/drawing/2014/main" xmlns="" id="{EF8AC7BE-6D72-489E-9138-E457A8789181}"/>
               </a:ext>
             </a:extLst>
           </p:cNvPr>
@@ -2980,7 +2980,7 @@
           <p:cNvPr id="5" name="Date Placeholder 4">
             <a:extLst>
               <a:ext uri="{FF2B5EF4-FFF2-40B4-BE49-F238E27FC236}">
-                <a16:creationId xmlns:a16="http://schemas.microsoft.com/office/drawing/2014/main" id="{0511E720-3A01-4CC6-976B-C42223620EA4}"/>
+                <a16:creationId xmlns:a16="http://schemas.microsoft.com/office/drawing/2014/main" xmlns="" id="{0511E720-3A01-4CC6-976B-C42223620EA4}"/>
               </a:ext>
             </a:extLst>
           </p:cNvPr>
@@ -3005,7 +3005,7 @@
           <p:cNvPr id="6" name="Footer Placeholder 5">
             <a:extLst>
               <a:ext uri="{FF2B5EF4-FFF2-40B4-BE49-F238E27FC236}">
-                <a16:creationId xmlns:a16="http://schemas.microsoft.com/office/drawing/2014/main" id="{5D33F328-266A-437F-A92A-5E171A4F2BFC}"/>
+                <a16:creationId xmlns:a16="http://schemas.microsoft.com/office/drawing/2014/main" xmlns="" id="{5D33F328-266A-437F-A92A-5E171A4F2BFC}"/>
               </a:ext>
             </a:extLst>
           </p:cNvPr>
@@ -3030,7 +3030,7 @@
           <p:cNvPr id="7" name="Slide Number Placeholder 6">
             <a:extLst>
               <a:ext uri="{FF2B5EF4-FFF2-40B4-BE49-F238E27FC236}">
-                <a16:creationId xmlns:a16="http://schemas.microsoft.com/office/drawing/2014/main" id="{6D1817E6-AB07-4CC2-B8A3-386F320AC63D}"/>
+                <a16:creationId xmlns:a16="http://schemas.microsoft.com/office/drawing/2014/main" xmlns="" id="{6D1817E6-AB07-4CC2-B8A3-386F320AC63D}"/>
               </a:ext>
             </a:extLst>
           </p:cNvPr>
@@ -3094,7 +3094,7 @@
           <p:cNvPr id="2" name="Title Placeholder 1">
             <a:extLst>
               <a:ext uri="{FF2B5EF4-FFF2-40B4-BE49-F238E27FC236}">
-                <a16:creationId xmlns:a16="http://schemas.microsoft.com/office/drawing/2014/main" id="{6B3454BF-7E60-44C1-824A-37A764EC9C19}"/>
+                <a16:creationId xmlns:a16="http://schemas.microsoft.com/office/drawing/2014/main" xmlns="" id="{6B3454BF-7E60-44C1-824A-37A764EC9C19}"/>
               </a:ext>
             </a:extLst>
           </p:cNvPr>
@@ -3132,7 +3132,7 @@
           <p:cNvPr id="3" name="Text Placeholder 2">
             <a:extLst>
               <a:ext uri="{FF2B5EF4-FFF2-40B4-BE49-F238E27FC236}">
-                <a16:creationId xmlns:a16="http://schemas.microsoft.com/office/drawing/2014/main" id="{B64775A1-4368-499B-A739-C1AC5E49F64F}"/>
+                <a16:creationId xmlns:a16="http://schemas.microsoft.com/office/drawing/2014/main" xmlns="" id="{B64775A1-4368-499B-A739-C1AC5E49F64F}"/>
               </a:ext>
             </a:extLst>
           </p:cNvPr>
@@ -3199,7 +3199,7 @@
           <p:cNvPr id="4" name="Date Placeholder 3">
             <a:extLst>
               <a:ext uri="{FF2B5EF4-FFF2-40B4-BE49-F238E27FC236}">
-                <a16:creationId xmlns:a16="http://schemas.microsoft.com/office/drawing/2014/main" id="{D68076AF-09D1-4F75-8325-A99FC5ABB142}"/>
+                <a16:creationId xmlns:a16="http://schemas.microsoft.com/office/drawing/2014/main" xmlns="" id="{D68076AF-09D1-4F75-8325-A99FC5ABB142}"/>
               </a:ext>
             </a:extLst>
           </p:cNvPr>
@@ -3242,7 +3242,7 @@
           <p:cNvPr id="5" name="Footer Placeholder 4">
             <a:extLst>
               <a:ext uri="{FF2B5EF4-FFF2-40B4-BE49-F238E27FC236}">
-                <a16:creationId xmlns:a16="http://schemas.microsoft.com/office/drawing/2014/main" id="{5D60D884-6EC3-4D60-8F5E-E1A1BBDE747A}"/>
+                <a16:creationId xmlns:a16="http://schemas.microsoft.com/office/drawing/2014/main" xmlns="" id="{5D60D884-6EC3-4D60-8F5E-E1A1BBDE747A}"/>
               </a:ext>
             </a:extLst>
           </p:cNvPr>
@@ -3285,7 +3285,7 @@
           <p:cNvPr id="6" name="Slide Number Placeholder 5">
             <a:extLst>
               <a:ext uri="{FF2B5EF4-FFF2-40B4-BE49-F238E27FC236}">
-                <a16:creationId xmlns:a16="http://schemas.microsoft.com/office/drawing/2014/main" id="{466FF0EB-F5DB-4037-B0F9-E03EA65008E5}"/>
+                <a16:creationId xmlns:a16="http://schemas.microsoft.com/office/drawing/2014/main" xmlns="" id="{466FF0EB-F5DB-4037-B0F9-E03EA65008E5}"/>
               </a:ext>
             </a:extLst>
           </p:cNvPr>
@@ -3332,7 +3332,7 @@
           <p:cNvPr id="8" name="Rectangle 7">
             <a:extLst>
               <a:ext uri="{FF2B5EF4-FFF2-40B4-BE49-F238E27FC236}">
-                <a16:creationId xmlns:a16="http://schemas.microsoft.com/office/drawing/2014/main" id="{F0D35611-613A-42A9-AF4C-227E28A628D4}"/>
+                <a16:creationId xmlns:a16="http://schemas.microsoft.com/office/drawing/2014/main" xmlns="" id="{F0D35611-613A-42A9-AF4C-227E28A628D4}"/>
               </a:ext>
             </a:extLst>
           </p:cNvPr>
@@ -3397,7 +3397,7 @@
           <p:cNvPr id="9" name="Rectangle 8">
             <a:extLst>
               <a:ext uri="{FF2B5EF4-FFF2-40B4-BE49-F238E27FC236}">
-                <a16:creationId xmlns:a16="http://schemas.microsoft.com/office/drawing/2014/main" id="{E278B5D5-1D46-4E0C-BED0-839079187963}"/>
+                <a16:creationId xmlns:a16="http://schemas.microsoft.com/office/drawing/2014/main" xmlns="" id="{E278B5D5-1D46-4E0C-BED0-839079187963}"/>
               </a:ext>
             </a:extLst>
           </p:cNvPr>
@@ -3768,7 +3768,7 @@
           <p:cNvPr id="2" name="Title 1">
             <a:extLst>
               <a:ext uri="{FF2B5EF4-FFF2-40B4-BE49-F238E27FC236}">
-                <a16:creationId xmlns:a16="http://schemas.microsoft.com/office/drawing/2014/main" id="{478E6352-A4D6-41A9-9D50-014A4DC87002}"/>
+                <a16:creationId xmlns:a16="http://schemas.microsoft.com/office/drawing/2014/main" xmlns="" id="{478E6352-A4D6-41A9-9D50-014A4DC87002}"/>
               </a:ext>
             </a:extLst>
           </p:cNvPr>
@@ -3796,7 +3796,7 @@
           <p:cNvPr id="3" name="Subtitle 2">
             <a:extLst>
               <a:ext uri="{FF2B5EF4-FFF2-40B4-BE49-F238E27FC236}">
-                <a16:creationId xmlns:a16="http://schemas.microsoft.com/office/drawing/2014/main" id="{B96C70DA-F2DA-41F0-BB57-FC8648F1B401}"/>
+                <a16:creationId xmlns:a16="http://schemas.microsoft.com/office/drawing/2014/main" xmlns="" id="{B96C70DA-F2DA-41F0-BB57-FC8648F1B401}"/>
               </a:ext>
             </a:extLst>
           </p:cNvPr>
@@ -3824,7 +3824,7 @@
           <p:cNvPr id="4" name="Slide Number Placeholder 3">
             <a:extLst>
               <a:ext uri="{FF2B5EF4-FFF2-40B4-BE49-F238E27FC236}">
-                <a16:creationId xmlns:a16="http://schemas.microsoft.com/office/drawing/2014/main" id="{9C164528-003F-4728-9E85-43CA1692711C}"/>
+                <a16:creationId xmlns:a16="http://schemas.microsoft.com/office/drawing/2014/main" xmlns="" id="{9C164528-003F-4728-9E85-43CA1692711C}"/>
               </a:ext>
             </a:extLst>
           </p:cNvPr>
@@ -3858,6 +3858,13 @@
   <p:clrMapOvr>
     <a:masterClrMapping/>
   </p:clrMapOvr>
+  <p:timing>
+    <p:tnLst>
+      <p:par>
+        <p:cTn id="1" dur="indefinite" restart="never" nodeType="tmRoot"/>
+      </p:par>
+    </p:tnLst>
+  </p:timing>
 </p:sld>
 </file>
 
@@ -3883,7 +3890,7 @@
           <p:cNvPr id="2" name="Title 1">
             <a:extLst>
               <a:ext uri="{FF2B5EF4-FFF2-40B4-BE49-F238E27FC236}">
-                <a16:creationId xmlns:a16="http://schemas.microsoft.com/office/drawing/2014/main" id="{8AEB402E-5E87-4807-A252-E00FFFE40940}"/>
+                <a16:creationId xmlns:a16="http://schemas.microsoft.com/office/drawing/2014/main" xmlns="" id="{8AEB402E-5E87-4807-A252-E00FFFE40940}"/>
               </a:ext>
             </a:extLst>
           </p:cNvPr>
@@ -3911,7 +3918,7 @@
           <p:cNvPr id="3" name="Content Placeholder 2">
             <a:extLst>
               <a:ext uri="{FF2B5EF4-FFF2-40B4-BE49-F238E27FC236}">
-                <a16:creationId xmlns:a16="http://schemas.microsoft.com/office/drawing/2014/main" id="{806C88A2-84F6-4022-B493-B724C29F92C9}"/>
+                <a16:creationId xmlns:a16="http://schemas.microsoft.com/office/drawing/2014/main" xmlns="" id="{806C88A2-84F6-4022-B493-B724C29F92C9}"/>
               </a:ext>
             </a:extLst>
           </p:cNvPr>
@@ -3939,7 +3946,7 @@
           <p:cNvPr id="4" name="Slide Number Placeholder 3">
             <a:extLst>
               <a:ext uri="{FF2B5EF4-FFF2-40B4-BE49-F238E27FC236}">
-                <a16:creationId xmlns:a16="http://schemas.microsoft.com/office/drawing/2014/main" id="{24FE658D-ED16-4CDB-B0AD-DC85A74DD434}"/>
+                <a16:creationId xmlns:a16="http://schemas.microsoft.com/office/drawing/2014/main" xmlns="" id="{24FE658D-ED16-4CDB-B0AD-DC85A74DD434}"/>
               </a:ext>
             </a:extLst>
           </p:cNvPr>
@@ -3968,7 +3975,7 @@
           <p:cNvPr id="7" name="Group 4">
             <a:extLst>
               <a:ext uri="{FF2B5EF4-FFF2-40B4-BE49-F238E27FC236}">
-                <a16:creationId xmlns:a16="http://schemas.microsoft.com/office/drawing/2014/main" id="{07C9C288-2D7E-4396-A6F9-0AF66859F5C5}"/>
+                <a16:creationId xmlns:a16="http://schemas.microsoft.com/office/drawing/2014/main" xmlns="" id="{07C9C288-2D7E-4396-A6F9-0AF66859F5C5}"/>
               </a:ext>
             </a:extLst>
           </p:cNvPr>
@@ -3990,7 +3997,7 @@
             <p:cNvPr id="8" name="AutoShape 3">
               <a:extLst>
                 <a:ext uri="{FF2B5EF4-FFF2-40B4-BE49-F238E27FC236}">
-                  <a16:creationId xmlns:a16="http://schemas.microsoft.com/office/drawing/2014/main" id="{2E5EC913-901F-4629-89F7-AC7AA91C56BD}"/>
+                  <a16:creationId xmlns:a16="http://schemas.microsoft.com/office/drawing/2014/main" xmlns="" id="{2E5EC913-901F-4629-89F7-AC7AA91C56BD}"/>
                 </a:ext>
               </a:extLst>
             </p:cNvPr>
@@ -4048,7 +4055,7 @@
             <p:cNvPr id="4101" name="Picture 5">
               <a:extLst>
                 <a:ext uri="{FF2B5EF4-FFF2-40B4-BE49-F238E27FC236}">
-                  <a16:creationId xmlns:a16="http://schemas.microsoft.com/office/drawing/2014/main" id="{43CDCAEF-0BD2-43BF-96AE-0CDAB9D455DF}"/>
+                  <a16:creationId xmlns:a16="http://schemas.microsoft.com/office/drawing/2014/main" xmlns="" id="{43CDCAEF-0BD2-43BF-96AE-0CDAB9D455DF}"/>
                 </a:ext>
               </a:extLst>
             </p:cNvPr>
@@ -4109,7 +4116,7 @@
           <p:cNvPr id="11" name="Group 8">
             <a:extLst>
               <a:ext uri="{FF2B5EF4-FFF2-40B4-BE49-F238E27FC236}">
-                <a16:creationId xmlns:a16="http://schemas.microsoft.com/office/drawing/2014/main" id="{A04F34D5-82D1-4B66-BF3D-7F0E39B81E76}"/>
+                <a16:creationId xmlns:a16="http://schemas.microsoft.com/office/drawing/2014/main" xmlns="" id="{A04F34D5-82D1-4B66-BF3D-7F0E39B81E76}"/>
               </a:ext>
             </a:extLst>
           </p:cNvPr>
@@ -4131,7 +4138,7 @@
             <p:cNvPr id="12" name="AutoShape 7">
               <a:extLst>
                 <a:ext uri="{FF2B5EF4-FFF2-40B4-BE49-F238E27FC236}">
-                  <a16:creationId xmlns:a16="http://schemas.microsoft.com/office/drawing/2014/main" id="{0F7402A9-F427-48CF-8009-62E7A4A3A572}"/>
+                  <a16:creationId xmlns:a16="http://schemas.microsoft.com/office/drawing/2014/main" xmlns="" id="{0F7402A9-F427-48CF-8009-62E7A4A3A572}"/>
                 </a:ext>
               </a:extLst>
             </p:cNvPr>
@@ -4189,7 +4196,7 @@
             <p:cNvPr id="4105" name="Picture 9">
               <a:extLst>
                 <a:ext uri="{FF2B5EF4-FFF2-40B4-BE49-F238E27FC236}">
-                  <a16:creationId xmlns:a16="http://schemas.microsoft.com/office/drawing/2014/main" id="{9EDE7582-9B29-4B48-8F80-3879EDCA3495}"/>
+                  <a16:creationId xmlns:a16="http://schemas.microsoft.com/office/drawing/2014/main" xmlns="" id="{9EDE7582-9B29-4B48-8F80-3879EDCA3495}"/>
                 </a:ext>
               </a:extLst>
             </p:cNvPr>
@@ -4264,6 +4271,13 @@
   <p:clrMapOvr>
     <a:masterClrMapping/>
   </p:clrMapOvr>
+  <p:timing>
+    <p:tnLst>
+      <p:par>
+        <p:cTn id="1" dur="indefinite" restart="never" nodeType="tmRoot"/>
+      </p:par>
+    </p:tnLst>
+  </p:timing>
 </p:sld>
 </file>
 
@@ -4289,7 +4303,7 @@
           <p:cNvPr id="2" name="Title 1">
             <a:extLst>
               <a:ext uri="{FF2B5EF4-FFF2-40B4-BE49-F238E27FC236}">
-                <a16:creationId xmlns:a16="http://schemas.microsoft.com/office/drawing/2014/main" id="{D2C06E48-78F3-43D2-B493-ECB1CC940296}"/>
+                <a16:creationId xmlns:a16="http://schemas.microsoft.com/office/drawing/2014/main" xmlns="" id="{D2C06E48-78F3-43D2-B493-ECB1CC940296}"/>
               </a:ext>
             </a:extLst>
           </p:cNvPr>
@@ -4319,7 +4333,7 @@
               <p:cNvPr id="3" name="Content Placeholder 2">
                 <a:extLst>
                   <a:ext uri="{FF2B5EF4-FFF2-40B4-BE49-F238E27FC236}">
-                    <a16:creationId xmlns:a16="http://schemas.microsoft.com/office/drawing/2014/main" id="{18AC0A73-C209-4960-9ACA-E55CE4702129}"/>
+                    <a16:creationId xmlns:a16="http://schemas.microsoft.com/office/drawing/2014/main" xmlns="" id="{18AC0A73-C209-4960-9ACA-E55CE4702129}"/>
                   </a:ext>
                 </a:extLst>
               </p:cNvPr>
@@ -4525,7 +4539,7 @@
           <p:cNvPr id="4" name="Slide Number Placeholder 3">
             <a:extLst>
               <a:ext uri="{FF2B5EF4-FFF2-40B4-BE49-F238E27FC236}">
-                <a16:creationId xmlns:a16="http://schemas.microsoft.com/office/drawing/2014/main" id="{24450A87-E1E5-4378-9CD6-089A2C421B40}"/>
+                <a16:creationId xmlns:a16="http://schemas.microsoft.com/office/drawing/2014/main" xmlns="" id="{24450A87-E1E5-4378-9CD6-089A2C421B40}"/>
               </a:ext>
             </a:extLst>
           </p:cNvPr>
@@ -4556,7 +4570,7 @@
               <p:cNvPr id="5" name="TextBox 4">
                 <a:extLst>
                   <a:ext uri="{FF2B5EF4-FFF2-40B4-BE49-F238E27FC236}">
-                    <a16:creationId xmlns:a16="http://schemas.microsoft.com/office/drawing/2014/main" id="{F1A06329-9E01-4FCA-BBD9-AE76E998A243}"/>
+                    <a16:creationId xmlns:a16="http://schemas.microsoft.com/office/drawing/2014/main" xmlns="" id="{F1A06329-9E01-4FCA-BBD9-AE76E998A243}"/>
                   </a:ext>
                 </a:extLst>
               </p:cNvPr>
@@ -5083,6 +5097,13 @@
   <p:clrMapOvr>
     <a:masterClrMapping/>
   </p:clrMapOvr>
+  <p:timing>
+    <p:tnLst>
+      <p:par>
+        <p:cTn id="1" dur="indefinite" restart="never" nodeType="tmRoot"/>
+      </p:par>
+    </p:tnLst>
+  </p:timing>
 </p:sld>
 </file>
 
@@ -5108,7 +5129,7 @@
           <p:cNvPr id="2" name="Title 1">
             <a:extLst>
               <a:ext uri="{FF2B5EF4-FFF2-40B4-BE49-F238E27FC236}">
-                <a16:creationId xmlns:a16="http://schemas.microsoft.com/office/drawing/2014/main" id="{57894AC6-20DB-40EA-A5A2-3FF8AEA3493C}"/>
+                <a16:creationId xmlns:a16="http://schemas.microsoft.com/office/drawing/2014/main" xmlns="" id="{57894AC6-20DB-40EA-A5A2-3FF8AEA3493C}"/>
               </a:ext>
             </a:extLst>
           </p:cNvPr>
@@ -5138,7 +5159,7 @@
               <p:cNvPr id="7" name="Content Placeholder 6">
                 <a:extLst>
                   <a:ext uri="{FF2B5EF4-FFF2-40B4-BE49-F238E27FC236}">
-                    <a16:creationId xmlns:a16="http://schemas.microsoft.com/office/drawing/2014/main" id="{81C1C058-53DE-474A-9DA6-CBD961FD133C}"/>
+                    <a16:creationId xmlns:a16="http://schemas.microsoft.com/office/drawing/2014/main" xmlns="" id="{81C1C058-53DE-474A-9DA6-CBD961FD133C}"/>
                   </a:ext>
                 </a:extLst>
               </p:cNvPr>
@@ -5442,7 +5463,7 @@
           <p:cNvPr id="4" name="Slide Number Placeholder 3">
             <a:extLst>
               <a:ext uri="{FF2B5EF4-FFF2-40B4-BE49-F238E27FC236}">
-                <a16:creationId xmlns:a16="http://schemas.microsoft.com/office/drawing/2014/main" id="{B8DE1045-BFE5-4AF6-8A29-EF13F9A5498E}"/>
+                <a16:creationId xmlns:a16="http://schemas.microsoft.com/office/drawing/2014/main" xmlns="" id="{B8DE1045-BFE5-4AF6-8A29-EF13F9A5498E}"/>
               </a:ext>
             </a:extLst>
           </p:cNvPr>
@@ -5471,7 +5492,7 @@
           <p:cNvPr id="12" name="Group 4">
             <a:extLst>
               <a:ext uri="{FF2B5EF4-FFF2-40B4-BE49-F238E27FC236}">
-                <a16:creationId xmlns:a16="http://schemas.microsoft.com/office/drawing/2014/main" id="{5E322010-7124-49BB-AA42-CE721F707970}"/>
+                <a16:creationId xmlns:a16="http://schemas.microsoft.com/office/drawing/2014/main" xmlns="" id="{5E322010-7124-49BB-AA42-CE721F707970}"/>
               </a:ext>
             </a:extLst>
           </p:cNvPr>
@@ -5493,7 +5514,7 @@
             <p:cNvPr id="13" name="AutoShape 3">
               <a:extLst>
                 <a:ext uri="{FF2B5EF4-FFF2-40B4-BE49-F238E27FC236}">
-                  <a16:creationId xmlns:a16="http://schemas.microsoft.com/office/drawing/2014/main" id="{955131EE-1669-4D79-A817-63E67C0873A8}"/>
+                  <a16:creationId xmlns:a16="http://schemas.microsoft.com/office/drawing/2014/main" xmlns="" id="{955131EE-1669-4D79-A817-63E67C0873A8}"/>
                 </a:ext>
               </a:extLst>
             </p:cNvPr>
@@ -5551,7 +5572,7 @@
             <p:cNvPr id="2053" name="Picture 5">
               <a:extLst>
                 <a:ext uri="{FF2B5EF4-FFF2-40B4-BE49-F238E27FC236}">
-                  <a16:creationId xmlns:a16="http://schemas.microsoft.com/office/drawing/2014/main" id="{5FA8E654-DC0E-40F9-8E96-0A1F79F54495}"/>
+                  <a16:creationId xmlns:a16="http://schemas.microsoft.com/office/drawing/2014/main" xmlns="" id="{5FA8E654-DC0E-40F9-8E96-0A1F79F54495}"/>
                 </a:ext>
               </a:extLst>
             </p:cNvPr>
@@ -5613,7 +5634,7 @@
           <p:cNvPr id="16" name="Group 8">
             <a:extLst>
               <a:ext uri="{FF2B5EF4-FFF2-40B4-BE49-F238E27FC236}">
-                <a16:creationId xmlns:a16="http://schemas.microsoft.com/office/drawing/2014/main" id="{9E705A6D-D463-4DFB-9C0E-DB75C1C726B8}"/>
+                <a16:creationId xmlns:a16="http://schemas.microsoft.com/office/drawing/2014/main" xmlns="" id="{9E705A6D-D463-4DFB-9C0E-DB75C1C726B8}"/>
               </a:ext>
             </a:extLst>
           </p:cNvPr>
@@ -5635,7 +5656,7 @@
             <p:cNvPr id="17" name="AutoShape 7">
               <a:extLst>
                 <a:ext uri="{FF2B5EF4-FFF2-40B4-BE49-F238E27FC236}">
-                  <a16:creationId xmlns:a16="http://schemas.microsoft.com/office/drawing/2014/main" id="{EFD6B7C7-EA8B-4418-8D45-63ACE76E534C}"/>
+                  <a16:creationId xmlns:a16="http://schemas.microsoft.com/office/drawing/2014/main" xmlns="" id="{EFD6B7C7-EA8B-4418-8D45-63ACE76E534C}"/>
                 </a:ext>
               </a:extLst>
             </p:cNvPr>
@@ -5693,7 +5714,7 @@
             <p:cNvPr id="2057" name="Picture 9">
               <a:extLst>
                 <a:ext uri="{FF2B5EF4-FFF2-40B4-BE49-F238E27FC236}">
-                  <a16:creationId xmlns:a16="http://schemas.microsoft.com/office/drawing/2014/main" id="{7097E0A8-5A3C-4A6D-B335-9D3D54213A44}"/>
+                  <a16:creationId xmlns:a16="http://schemas.microsoft.com/office/drawing/2014/main" xmlns="" id="{7097E0A8-5A3C-4A6D-B335-9D3D54213A44}"/>
                 </a:ext>
               </a:extLst>
             </p:cNvPr>
@@ -5755,7 +5776,7 @@
           <p:cNvPr id="20" name="Group 12">
             <a:extLst>
               <a:ext uri="{FF2B5EF4-FFF2-40B4-BE49-F238E27FC236}">
-                <a16:creationId xmlns:a16="http://schemas.microsoft.com/office/drawing/2014/main" id="{A88B7504-5BD3-4C21-B3A2-12B28C9807B2}"/>
+                <a16:creationId xmlns:a16="http://schemas.microsoft.com/office/drawing/2014/main" xmlns="" id="{A88B7504-5BD3-4C21-B3A2-12B28C9807B2}"/>
               </a:ext>
             </a:extLst>
           </p:cNvPr>
@@ -5777,7 +5798,7 @@
             <p:cNvPr id="21" name="AutoShape 11">
               <a:extLst>
                 <a:ext uri="{FF2B5EF4-FFF2-40B4-BE49-F238E27FC236}">
-                  <a16:creationId xmlns:a16="http://schemas.microsoft.com/office/drawing/2014/main" id="{1AD080AC-A642-4D6E-94FF-53638B31FADE}"/>
+                  <a16:creationId xmlns:a16="http://schemas.microsoft.com/office/drawing/2014/main" xmlns="" id="{1AD080AC-A642-4D6E-94FF-53638B31FADE}"/>
                 </a:ext>
               </a:extLst>
             </p:cNvPr>
@@ -5835,7 +5856,7 @@
             <p:cNvPr id="2061" name="Picture 13">
               <a:extLst>
                 <a:ext uri="{FF2B5EF4-FFF2-40B4-BE49-F238E27FC236}">
-                  <a16:creationId xmlns:a16="http://schemas.microsoft.com/office/drawing/2014/main" id="{49183BA4-80BE-4702-8F1E-9B51F106A5E2}"/>
+                  <a16:creationId xmlns:a16="http://schemas.microsoft.com/office/drawing/2014/main" xmlns="" id="{49183BA4-80BE-4702-8F1E-9B51F106A5E2}"/>
                 </a:ext>
               </a:extLst>
             </p:cNvPr>
@@ -6490,7 +6511,7 @@
           <p:cNvPr id="2" name="Title 1">
             <a:extLst>
               <a:ext uri="{FF2B5EF4-FFF2-40B4-BE49-F238E27FC236}">
-                <a16:creationId xmlns:a16="http://schemas.microsoft.com/office/drawing/2014/main" id="{44D97967-4883-4178-A306-314FFAB2DCDE}"/>
+                <a16:creationId xmlns:a16="http://schemas.microsoft.com/office/drawing/2014/main" xmlns="" id="{44D97967-4883-4178-A306-314FFAB2DCDE}"/>
               </a:ext>
             </a:extLst>
           </p:cNvPr>
@@ -6520,7 +6541,7 @@
               <p:cNvPr id="3" name="Content Placeholder 2">
                 <a:extLst>
                   <a:ext uri="{FF2B5EF4-FFF2-40B4-BE49-F238E27FC236}">
-                    <a16:creationId xmlns:a16="http://schemas.microsoft.com/office/drawing/2014/main" id="{82D783D7-8EAE-4231-8925-B16ECF058146}"/>
+                    <a16:creationId xmlns:a16="http://schemas.microsoft.com/office/drawing/2014/main" xmlns="" id="{82D783D7-8EAE-4231-8925-B16ECF058146}"/>
                   </a:ext>
                 </a:extLst>
               </p:cNvPr>
@@ -6988,7 +7009,7 @@
           <p:cNvPr id="4" name="Slide Number Placeholder 3">
             <a:extLst>
               <a:ext uri="{FF2B5EF4-FFF2-40B4-BE49-F238E27FC236}">
-                <a16:creationId xmlns:a16="http://schemas.microsoft.com/office/drawing/2014/main" id="{A3023278-4F1A-453A-A931-F141FF76E7A1}"/>
+                <a16:creationId xmlns:a16="http://schemas.microsoft.com/office/drawing/2014/main" xmlns="" id="{A3023278-4F1A-453A-A931-F141FF76E7A1}"/>
               </a:ext>
             </a:extLst>
           </p:cNvPr>
@@ -7017,7 +7038,7 @@
           <p:cNvPr id="7" name="Group 4">
             <a:extLst>
               <a:ext uri="{FF2B5EF4-FFF2-40B4-BE49-F238E27FC236}">
-                <a16:creationId xmlns:a16="http://schemas.microsoft.com/office/drawing/2014/main" id="{C3ACE7C5-5344-4272-943E-D1B6771B6401}"/>
+                <a16:creationId xmlns:a16="http://schemas.microsoft.com/office/drawing/2014/main" xmlns="" id="{C3ACE7C5-5344-4272-943E-D1B6771B6401}"/>
               </a:ext>
             </a:extLst>
           </p:cNvPr>
@@ -7039,7 +7060,7 @@
             <p:cNvPr id="8" name="AutoShape 3">
               <a:extLst>
                 <a:ext uri="{FF2B5EF4-FFF2-40B4-BE49-F238E27FC236}">
-                  <a16:creationId xmlns:a16="http://schemas.microsoft.com/office/drawing/2014/main" id="{D006892C-8977-4296-97A7-BA14B26B97E8}"/>
+                  <a16:creationId xmlns:a16="http://schemas.microsoft.com/office/drawing/2014/main" xmlns="" id="{D006892C-8977-4296-97A7-BA14B26B97E8}"/>
                 </a:ext>
               </a:extLst>
             </p:cNvPr>
@@ -7097,7 +7118,7 @@
             <p:cNvPr id="3077" name="Picture 5">
               <a:extLst>
                 <a:ext uri="{FF2B5EF4-FFF2-40B4-BE49-F238E27FC236}">
-                  <a16:creationId xmlns:a16="http://schemas.microsoft.com/office/drawing/2014/main" id="{F85F231C-6B07-4E79-BEDA-F0C0232B7718}"/>
+                  <a16:creationId xmlns:a16="http://schemas.microsoft.com/office/drawing/2014/main" xmlns="" id="{F85F231C-6B07-4E79-BEDA-F0C0232B7718}"/>
                 </a:ext>
               </a:extLst>
             </p:cNvPr>
@@ -7165,7 +7186,7 @@
           <p:cNvPr id="10" name="Picture 9">
             <a:extLst>
               <a:ext uri="{FF2B5EF4-FFF2-40B4-BE49-F238E27FC236}">
-                <a16:creationId xmlns:a16="http://schemas.microsoft.com/office/drawing/2014/main" id="{DDF9D28E-01E0-4620-8689-120375019A7D}"/>
+                <a16:creationId xmlns:a16="http://schemas.microsoft.com/office/drawing/2014/main" xmlns="" id="{DDF9D28E-01E0-4620-8689-120375019A7D}"/>
               </a:ext>
             </a:extLst>
           </p:cNvPr>
@@ -7203,7 +7224,7 @@
           <p:cNvPr id="13" name="Group 8">
             <a:extLst>
               <a:ext uri="{FF2B5EF4-FFF2-40B4-BE49-F238E27FC236}">
-                <a16:creationId xmlns:a16="http://schemas.microsoft.com/office/drawing/2014/main" id="{1DABF208-6523-417C-A30F-81C66D58B42F}"/>
+                <a16:creationId xmlns:a16="http://schemas.microsoft.com/office/drawing/2014/main" xmlns="" id="{1DABF208-6523-417C-A30F-81C66D58B42F}"/>
               </a:ext>
             </a:extLst>
           </p:cNvPr>
@@ -7225,7 +7246,7 @@
             <p:cNvPr id="14" name="AutoShape 7">
               <a:extLst>
                 <a:ext uri="{FF2B5EF4-FFF2-40B4-BE49-F238E27FC236}">
-                  <a16:creationId xmlns:a16="http://schemas.microsoft.com/office/drawing/2014/main" id="{DC27865B-B73C-4439-A813-ED1B83C53CF4}"/>
+                  <a16:creationId xmlns:a16="http://schemas.microsoft.com/office/drawing/2014/main" xmlns="" id="{DC27865B-B73C-4439-A813-ED1B83C53CF4}"/>
                 </a:ext>
               </a:extLst>
             </p:cNvPr>
@@ -7283,7 +7304,7 @@
             <p:cNvPr id="3081" name="Picture 9">
               <a:extLst>
                 <a:ext uri="{FF2B5EF4-FFF2-40B4-BE49-F238E27FC236}">
-                  <a16:creationId xmlns:a16="http://schemas.microsoft.com/office/drawing/2014/main" id="{2379B643-1EDA-4257-97BA-44281AFB2E30}"/>
+                  <a16:creationId xmlns:a16="http://schemas.microsoft.com/office/drawing/2014/main" xmlns="" id="{2379B643-1EDA-4257-97BA-44281AFB2E30}"/>
                 </a:ext>
               </a:extLst>
             </p:cNvPr>
@@ -7826,7 +7847,7 @@
           <p:cNvPr id="2" name="Title 1">
             <a:extLst>
               <a:ext uri="{FF2B5EF4-FFF2-40B4-BE49-F238E27FC236}">
-                <a16:creationId xmlns:a16="http://schemas.microsoft.com/office/drawing/2014/main" id="{B90778BA-B02C-4E0F-A9D0-46710DCF19AE}"/>
+                <a16:creationId xmlns:a16="http://schemas.microsoft.com/office/drawing/2014/main" xmlns="" id="{B90778BA-B02C-4E0F-A9D0-46710DCF19AE}"/>
               </a:ext>
             </a:extLst>
           </p:cNvPr>
@@ -7856,7 +7877,7 @@
               <p:cNvPr id="3" name="Content Placeholder 2">
                 <a:extLst>
                   <a:ext uri="{FF2B5EF4-FFF2-40B4-BE49-F238E27FC236}">
-                    <a16:creationId xmlns:a16="http://schemas.microsoft.com/office/drawing/2014/main" id="{562CDC53-84CE-4C18-BB71-C6BED28AF388}"/>
+                    <a16:creationId xmlns:a16="http://schemas.microsoft.com/office/drawing/2014/main" xmlns="" id="{562CDC53-84CE-4C18-BB71-C6BED28AF388}"/>
                   </a:ext>
                 </a:extLst>
               </p:cNvPr>
@@ -8172,7 +8193,7 @@
           <p:cNvPr id="4" name="Slide Number Placeholder 3">
             <a:extLst>
               <a:ext uri="{FF2B5EF4-FFF2-40B4-BE49-F238E27FC236}">
-                <a16:creationId xmlns:a16="http://schemas.microsoft.com/office/drawing/2014/main" id="{3D4D7DF4-B110-4216-8EE2-829D58A23B66}"/>
+                <a16:creationId xmlns:a16="http://schemas.microsoft.com/office/drawing/2014/main" xmlns="" id="{3D4D7DF4-B110-4216-8EE2-829D58A23B66}"/>
               </a:ext>
             </a:extLst>
           </p:cNvPr>
@@ -8201,7 +8222,7 @@
           <p:cNvPr id="5" name="TextBox 4">
             <a:extLst>
               <a:ext uri="{FF2B5EF4-FFF2-40B4-BE49-F238E27FC236}">
-                <a16:creationId xmlns:a16="http://schemas.microsoft.com/office/drawing/2014/main" id="{33C39501-E658-44E1-9A6D-A1087A1736C8}"/>
+                <a16:creationId xmlns:a16="http://schemas.microsoft.com/office/drawing/2014/main" xmlns="" id="{33C39501-E658-44E1-9A6D-A1087A1736C8}"/>
               </a:ext>
             </a:extLst>
           </p:cNvPr>
@@ -8334,10 +8355,10 @@
           <a:p>
             <a:pPr algn="l"/>
             <a:r>
-              <a:rPr lang="en-US" sz="1800" b="1" i="0" u="none" strike="noStrike" baseline="0" dirty="0">
+              <a:rPr lang="en-US" sz="1800" b="1" i="0" u="none" strike="noStrike" baseline="0" dirty="0" smtClean="0">
                 <a:latin typeface="BeraSansMono-Bold"/>
               </a:rPr>
-              <a:t>return </a:t>
+              <a:t>	return </a:t>
             </a:r>
             <a:r>
               <a:rPr lang="en-US" sz="1800" b="0" i="0" u="none" strike="noStrike" baseline="0" dirty="0">
@@ -8354,7 +8375,7 @@
           <p:cNvPr id="8" name="Group 4">
             <a:extLst>
               <a:ext uri="{FF2B5EF4-FFF2-40B4-BE49-F238E27FC236}">
-                <a16:creationId xmlns:a16="http://schemas.microsoft.com/office/drawing/2014/main" id="{2DA1A103-DD60-435C-B9A8-A970604C2B50}"/>
+                <a16:creationId xmlns:a16="http://schemas.microsoft.com/office/drawing/2014/main" xmlns="" id="{2DA1A103-DD60-435C-B9A8-A970604C2B50}"/>
               </a:ext>
             </a:extLst>
           </p:cNvPr>
@@ -8376,7 +8397,7 @@
             <p:cNvPr id="9" name="AutoShape 3">
               <a:extLst>
                 <a:ext uri="{FF2B5EF4-FFF2-40B4-BE49-F238E27FC236}">
-                  <a16:creationId xmlns:a16="http://schemas.microsoft.com/office/drawing/2014/main" id="{E5578136-F320-4C89-B080-EABE80445E7D}"/>
+                  <a16:creationId xmlns:a16="http://schemas.microsoft.com/office/drawing/2014/main" xmlns="" id="{E5578136-F320-4C89-B080-EABE80445E7D}"/>
                 </a:ext>
               </a:extLst>
             </p:cNvPr>
@@ -8434,7 +8455,7 @@
             <p:cNvPr id="4101" name="Picture 5">
               <a:extLst>
                 <a:ext uri="{FF2B5EF4-FFF2-40B4-BE49-F238E27FC236}">
-                  <a16:creationId xmlns:a16="http://schemas.microsoft.com/office/drawing/2014/main" id="{B1B2EF83-8654-417E-B47D-1E9D9B854AA0}"/>
+                  <a16:creationId xmlns:a16="http://schemas.microsoft.com/office/drawing/2014/main" xmlns="" id="{B1B2EF83-8654-417E-B47D-1E9D9B854AA0}"/>
                 </a:ext>
               </a:extLst>
             </p:cNvPr>
@@ -8867,7 +8888,7 @@
           <p:cNvPr id="2" name="Title 1">
             <a:extLst>
               <a:ext uri="{FF2B5EF4-FFF2-40B4-BE49-F238E27FC236}">
-                <a16:creationId xmlns:a16="http://schemas.microsoft.com/office/drawing/2014/main" id="{457032C9-6DAC-49F6-8507-52B15F572BEA}"/>
+                <a16:creationId xmlns:a16="http://schemas.microsoft.com/office/drawing/2014/main" xmlns="" id="{457032C9-6DAC-49F6-8507-52B15F572BEA}"/>
               </a:ext>
             </a:extLst>
           </p:cNvPr>
@@ -8895,7 +8916,7 @@
           <p:cNvPr id="3" name="Content Placeholder 2">
             <a:extLst>
               <a:ext uri="{FF2B5EF4-FFF2-40B4-BE49-F238E27FC236}">
-                <a16:creationId xmlns:a16="http://schemas.microsoft.com/office/drawing/2014/main" id="{971F1F6F-98F7-42C1-9BC7-8F57B2ABA9A8}"/>
+                <a16:creationId xmlns:a16="http://schemas.microsoft.com/office/drawing/2014/main" xmlns="" id="{971F1F6F-98F7-42C1-9BC7-8F57B2ABA9A8}"/>
               </a:ext>
             </a:extLst>
           </p:cNvPr>
@@ -8935,7 +8956,7 @@
           <p:cNvPr id="4" name="Slide Number Placeholder 3">
             <a:extLst>
               <a:ext uri="{FF2B5EF4-FFF2-40B4-BE49-F238E27FC236}">
-                <a16:creationId xmlns:a16="http://schemas.microsoft.com/office/drawing/2014/main" id="{9612C3B7-E758-4DAA-A6DA-00E795A37738}"/>
+                <a16:creationId xmlns:a16="http://schemas.microsoft.com/office/drawing/2014/main" xmlns="" id="{9612C3B7-E758-4DAA-A6DA-00E795A37738}"/>
               </a:ext>
             </a:extLst>
           </p:cNvPr>
@@ -8969,6 +8990,13 @@
   <p:clrMapOvr>
     <a:masterClrMapping/>
   </p:clrMapOvr>
+  <p:timing>
+    <p:tnLst>
+      <p:par>
+        <p:cTn id="1" dur="indefinite" restart="never" nodeType="tmRoot"/>
+      </p:par>
+    </p:tnLst>
+  </p:timing>
 </p:sld>
 </file>
 
@@ -8994,7 +9022,7 @@
           <p:cNvPr id="2" name="Title 1">
             <a:extLst>
               <a:ext uri="{FF2B5EF4-FFF2-40B4-BE49-F238E27FC236}">
-                <a16:creationId xmlns:a16="http://schemas.microsoft.com/office/drawing/2014/main" id="{E8C4E716-902D-4A99-AD53-624219E2A03E}"/>
+                <a16:creationId xmlns:a16="http://schemas.microsoft.com/office/drawing/2014/main" xmlns="" id="{E8C4E716-902D-4A99-AD53-624219E2A03E}"/>
               </a:ext>
             </a:extLst>
           </p:cNvPr>
@@ -9024,7 +9052,7 @@
               <p:cNvPr id="3" name="Content Placeholder 2">
                 <a:extLst>
                   <a:ext uri="{FF2B5EF4-FFF2-40B4-BE49-F238E27FC236}">
-                    <a16:creationId xmlns:a16="http://schemas.microsoft.com/office/drawing/2014/main" id="{C721EFFD-48FB-4D12-BC03-26D38839F35A}"/>
+                    <a16:creationId xmlns:a16="http://schemas.microsoft.com/office/drawing/2014/main" xmlns="" id="{C721EFFD-48FB-4D12-BC03-26D38839F35A}"/>
                   </a:ext>
                 </a:extLst>
               </p:cNvPr>
@@ -9219,7 +9247,7 @@
           <p:cNvPr id="4" name="Slide Number Placeholder 3">
             <a:extLst>
               <a:ext uri="{FF2B5EF4-FFF2-40B4-BE49-F238E27FC236}">
-                <a16:creationId xmlns:a16="http://schemas.microsoft.com/office/drawing/2014/main" id="{D83FF424-FA3C-4747-A1F3-1AA4B025413A}"/>
+                <a16:creationId xmlns:a16="http://schemas.microsoft.com/office/drawing/2014/main" xmlns="" id="{D83FF424-FA3C-4747-A1F3-1AA4B025413A}"/>
               </a:ext>
             </a:extLst>
           </p:cNvPr>
@@ -9248,7 +9276,7 @@
           <p:cNvPr id="5" name="Group 4">
             <a:extLst>
               <a:ext uri="{FF2B5EF4-FFF2-40B4-BE49-F238E27FC236}">
-                <a16:creationId xmlns:a16="http://schemas.microsoft.com/office/drawing/2014/main" id="{09936F00-8761-465F-B9FA-CE709B5AA518}"/>
+                <a16:creationId xmlns:a16="http://schemas.microsoft.com/office/drawing/2014/main" xmlns="" id="{09936F00-8761-465F-B9FA-CE709B5AA518}"/>
               </a:ext>
             </a:extLst>
           </p:cNvPr>
@@ -9270,7 +9298,7 @@
             <p:cNvPr id="6" name="AutoShape 3">
               <a:extLst>
                 <a:ext uri="{FF2B5EF4-FFF2-40B4-BE49-F238E27FC236}">
-                  <a16:creationId xmlns:a16="http://schemas.microsoft.com/office/drawing/2014/main" id="{4E43F070-F223-45D3-8833-7DA0D2E323F6}"/>
+                  <a16:creationId xmlns:a16="http://schemas.microsoft.com/office/drawing/2014/main" xmlns="" id="{4E43F070-F223-45D3-8833-7DA0D2E323F6}"/>
                 </a:ext>
               </a:extLst>
             </p:cNvPr>
@@ -9328,7 +9356,7 @@
             <p:cNvPr id="7" name="Picture 5">
               <a:extLst>
                 <a:ext uri="{FF2B5EF4-FFF2-40B4-BE49-F238E27FC236}">
-                  <a16:creationId xmlns:a16="http://schemas.microsoft.com/office/drawing/2014/main" id="{A1B5531E-5F65-4556-AE27-89375C06BF6C}"/>
+                  <a16:creationId xmlns:a16="http://schemas.microsoft.com/office/drawing/2014/main" xmlns="" id="{A1B5531E-5F65-4556-AE27-89375C06BF6C}"/>
                 </a:ext>
               </a:extLst>
             </p:cNvPr>
@@ -9389,7 +9417,7 @@
           <p:cNvPr id="13" name="Group 4">
             <a:extLst>
               <a:ext uri="{FF2B5EF4-FFF2-40B4-BE49-F238E27FC236}">
-                <a16:creationId xmlns:a16="http://schemas.microsoft.com/office/drawing/2014/main" id="{01DFB301-2CAE-4535-855F-AF370BB5052C}"/>
+                <a16:creationId xmlns:a16="http://schemas.microsoft.com/office/drawing/2014/main" xmlns="" id="{01DFB301-2CAE-4535-855F-AF370BB5052C}"/>
               </a:ext>
             </a:extLst>
           </p:cNvPr>
@@ -9411,7 +9439,7 @@
             <p:cNvPr id="14" name="AutoShape 3">
               <a:extLst>
                 <a:ext uri="{FF2B5EF4-FFF2-40B4-BE49-F238E27FC236}">
-                  <a16:creationId xmlns:a16="http://schemas.microsoft.com/office/drawing/2014/main" id="{D31F9C92-56D1-443E-9B54-D7D0ED1DA031}"/>
+                  <a16:creationId xmlns:a16="http://schemas.microsoft.com/office/drawing/2014/main" xmlns="" id="{D31F9C92-56D1-443E-9B54-D7D0ED1DA031}"/>
                 </a:ext>
               </a:extLst>
             </p:cNvPr>
@@ -9469,7 +9497,7 @@
             <p:cNvPr id="15" name="Picture 5">
               <a:extLst>
                 <a:ext uri="{FF2B5EF4-FFF2-40B4-BE49-F238E27FC236}">
-                  <a16:creationId xmlns:a16="http://schemas.microsoft.com/office/drawing/2014/main" id="{2FDA59D2-0A50-457A-9650-13503ECA4E38}"/>
+                  <a16:creationId xmlns:a16="http://schemas.microsoft.com/office/drawing/2014/main" xmlns="" id="{2FDA59D2-0A50-457A-9650-13503ECA4E38}"/>
                 </a:ext>
               </a:extLst>
             </p:cNvPr>
@@ -9537,7 +9565,7 @@
           <p:cNvPr id="19" name="Group 8">
             <a:extLst>
               <a:ext uri="{FF2B5EF4-FFF2-40B4-BE49-F238E27FC236}">
-                <a16:creationId xmlns:a16="http://schemas.microsoft.com/office/drawing/2014/main" id="{A0DBB0C5-7472-4AD6-89BC-1C5D68F426B1}"/>
+                <a16:creationId xmlns:a16="http://schemas.microsoft.com/office/drawing/2014/main" xmlns="" id="{A0DBB0C5-7472-4AD6-89BC-1C5D68F426B1}"/>
               </a:ext>
             </a:extLst>
           </p:cNvPr>
@@ -9559,7 +9587,7 @@
             <p:cNvPr id="20" name="AutoShape 7">
               <a:extLst>
                 <a:ext uri="{FF2B5EF4-FFF2-40B4-BE49-F238E27FC236}">
-                  <a16:creationId xmlns:a16="http://schemas.microsoft.com/office/drawing/2014/main" id="{F35AC595-02DF-4C9D-B475-51346FC3B15C}"/>
+                  <a16:creationId xmlns:a16="http://schemas.microsoft.com/office/drawing/2014/main" xmlns="" id="{F35AC595-02DF-4C9D-B475-51346FC3B15C}"/>
                 </a:ext>
               </a:extLst>
             </p:cNvPr>
@@ -9617,7 +9645,7 @@
             <p:cNvPr id="6153" name="Picture 9">
               <a:extLst>
                 <a:ext uri="{FF2B5EF4-FFF2-40B4-BE49-F238E27FC236}">
-                  <a16:creationId xmlns:a16="http://schemas.microsoft.com/office/drawing/2014/main" id="{5B6E0D58-4602-4DDF-8B92-3143713A97AF}"/>
+                  <a16:creationId xmlns:a16="http://schemas.microsoft.com/office/drawing/2014/main" xmlns="" id="{5B6E0D58-4602-4DDF-8B92-3143713A97AF}"/>
                 </a:ext>
               </a:extLst>
             </p:cNvPr>
@@ -10057,7 +10085,7 @@
           <p:cNvPr id="2" name="Title 1">
             <a:extLst>
               <a:ext uri="{FF2B5EF4-FFF2-40B4-BE49-F238E27FC236}">
-                <a16:creationId xmlns:a16="http://schemas.microsoft.com/office/drawing/2014/main" id="{70FDEFFB-4E15-4E7E-8CFE-2BB51518981A}"/>
+                <a16:creationId xmlns:a16="http://schemas.microsoft.com/office/drawing/2014/main" xmlns="" id="{70FDEFFB-4E15-4E7E-8CFE-2BB51518981A}"/>
               </a:ext>
             </a:extLst>
           </p:cNvPr>
@@ -10087,7 +10115,7 @@
               <p:cNvPr id="3" name="Content Placeholder 2">
                 <a:extLst>
                   <a:ext uri="{FF2B5EF4-FFF2-40B4-BE49-F238E27FC236}">
-                    <a16:creationId xmlns:a16="http://schemas.microsoft.com/office/drawing/2014/main" id="{F4D4BE23-57CF-4DDA-A54C-E2E1159502F9}"/>
+                    <a16:creationId xmlns:a16="http://schemas.microsoft.com/office/drawing/2014/main" xmlns="" id="{F4D4BE23-57CF-4DDA-A54C-E2E1159502F9}"/>
                   </a:ext>
                 </a:extLst>
               </p:cNvPr>
@@ -10432,7 +10460,7 @@
           <p:cNvPr id="4" name="Slide Number Placeholder 3">
             <a:extLst>
               <a:ext uri="{FF2B5EF4-FFF2-40B4-BE49-F238E27FC236}">
-                <a16:creationId xmlns:a16="http://schemas.microsoft.com/office/drawing/2014/main" id="{65028F1D-8672-434F-8713-185EB9696E31}"/>
+                <a16:creationId xmlns:a16="http://schemas.microsoft.com/office/drawing/2014/main" xmlns="" id="{65028F1D-8672-434F-8713-185EB9696E31}"/>
               </a:ext>
             </a:extLst>
           </p:cNvPr>
@@ -10461,7 +10489,7 @@
           <p:cNvPr id="10" name="Picture 9">
             <a:extLst>
               <a:ext uri="{FF2B5EF4-FFF2-40B4-BE49-F238E27FC236}">
-                <a16:creationId xmlns:a16="http://schemas.microsoft.com/office/drawing/2014/main" id="{2D6E64E6-2F04-442F-8DC5-F88D8E5492E5}"/>
+                <a16:creationId xmlns:a16="http://schemas.microsoft.com/office/drawing/2014/main" xmlns="" id="{2D6E64E6-2F04-442F-8DC5-F88D8E5492E5}"/>
               </a:ext>
             </a:extLst>
           </p:cNvPr>
@@ -10499,7 +10527,7 @@
           <p:cNvPr id="12" name="Picture 11">
             <a:extLst>
               <a:ext uri="{FF2B5EF4-FFF2-40B4-BE49-F238E27FC236}">
-                <a16:creationId xmlns:a16="http://schemas.microsoft.com/office/drawing/2014/main" id="{2662CBE3-85E0-4DAE-AF05-DDDD469C8A52}"/>
+                <a16:creationId xmlns:a16="http://schemas.microsoft.com/office/drawing/2014/main" xmlns="" id="{2662CBE3-85E0-4DAE-AF05-DDDD469C8A52}"/>
               </a:ext>
             </a:extLst>
           </p:cNvPr>
@@ -10537,7 +10565,7 @@
           <p:cNvPr id="18" name="Picture 17">
             <a:extLst>
               <a:ext uri="{FF2B5EF4-FFF2-40B4-BE49-F238E27FC236}">
-                <a16:creationId xmlns:a16="http://schemas.microsoft.com/office/drawing/2014/main" id="{8AFEC2FD-3622-4ACE-8D99-440F269CF249}"/>
+                <a16:creationId xmlns:a16="http://schemas.microsoft.com/office/drawing/2014/main" xmlns="" id="{8AFEC2FD-3622-4ACE-8D99-440F269CF249}"/>
               </a:ext>
             </a:extLst>
           </p:cNvPr>
@@ -10572,6 +10600,13 @@
   <p:clrMapOvr>
     <a:masterClrMapping/>
   </p:clrMapOvr>
+  <p:timing>
+    <p:tnLst>
+      <p:par>
+        <p:cTn id="1" dur="indefinite" restart="never" nodeType="tmRoot"/>
+      </p:par>
+    </p:tnLst>
+  </p:timing>
 </p:sld>
 </file>
 
@@ -10597,7 +10632,7 @@
           <p:cNvPr id="2" name="Title 1">
             <a:extLst>
               <a:ext uri="{FF2B5EF4-FFF2-40B4-BE49-F238E27FC236}">
-                <a16:creationId xmlns:a16="http://schemas.microsoft.com/office/drawing/2014/main" id="{E9959249-B6AF-4E41-8C7F-F7A04BF6D613}"/>
+                <a16:creationId xmlns:a16="http://schemas.microsoft.com/office/drawing/2014/main" xmlns="" id="{E9959249-B6AF-4E41-8C7F-F7A04BF6D613}"/>
               </a:ext>
             </a:extLst>
           </p:cNvPr>
@@ -10627,7 +10662,7 @@
               <p:cNvPr id="3" name="Content Placeholder 2">
                 <a:extLst>
                   <a:ext uri="{FF2B5EF4-FFF2-40B4-BE49-F238E27FC236}">
-                    <a16:creationId xmlns:a16="http://schemas.microsoft.com/office/drawing/2014/main" id="{8187BF49-40F1-40DB-9C99-6D7F6C146A01}"/>
+                    <a16:creationId xmlns:a16="http://schemas.microsoft.com/office/drawing/2014/main" xmlns="" id="{8187BF49-40F1-40DB-9C99-6D7F6C146A01}"/>
                   </a:ext>
                 </a:extLst>
               </p:cNvPr>
@@ -10733,7 +10768,7 @@
           <p:cNvPr id="4" name="Slide Number Placeholder 3">
             <a:extLst>
               <a:ext uri="{FF2B5EF4-FFF2-40B4-BE49-F238E27FC236}">
-                <a16:creationId xmlns:a16="http://schemas.microsoft.com/office/drawing/2014/main" id="{4E1CF071-DCAD-4B86-A018-A4EED82C0337}"/>
+                <a16:creationId xmlns:a16="http://schemas.microsoft.com/office/drawing/2014/main" xmlns="" id="{4E1CF071-DCAD-4B86-A018-A4EED82C0337}"/>
               </a:ext>
             </a:extLst>
           </p:cNvPr>
@@ -10767,6 +10802,13 @@
   <p:clrMapOvr>
     <a:masterClrMapping/>
   </p:clrMapOvr>
+  <p:timing>
+    <p:tnLst>
+      <p:par>
+        <p:cTn id="1" dur="indefinite" restart="never" nodeType="tmRoot"/>
+      </p:par>
+    </p:tnLst>
+  </p:timing>
 </p:sld>
 </file>
 
@@ -10792,7 +10834,7 @@
           <p:cNvPr id="2" name="Title 1">
             <a:extLst>
               <a:ext uri="{FF2B5EF4-FFF2-40B4-BE49-F238E27FC236}">
-                <a16:creationId xmlns:a16="http://schemas.microsoft.com/office/drawing/2014/main" id="{31A305DE-1110-4215-9624-D14FFACA875E}"/>
+                <a16:creationId xmlns:a16="http://schemas.microsoft.com/office/drawing/2014/main" xmlns="" id="{31A305DE-1110-4215-9624-D14FFACA875E}"/>
               </a:ext>
             </a:extLst>
           </p:cNvPr>
@@ -10822,7 +10864,7 @@
               <p:cNvPr id="8" name="Content Placeholder 7">
                 <a:extLst>
                   <a:ext uri="{FF2B5EF4-FFF2-40B4-BE49-F238E27FC236}">
-                    <a16:creationId xmlns:a16="http://schemas.microsoft.com/office/drawing/2014/main" id="{3C447FDF-95F5-44B2-A17C-C0DED8781688}"/>
+                    <a16:creationId xmlns:a16="http://schemas.microsoft.com/office/drawing/2014/main" xmlns="" id="{3C447FDF-95F5-44B2-A17C-C0DED8781688}"/>
                   </a:ext>
                 </a:extLst>
               </p:cNvPr>
@@ -11220,7 +11262,7 @@
           <p:cNvPr id="3" name="Slide Number Placeholder 2">
             <a:extLst>
               <a:ext uri="{FF2B5EF4-FFF2-40B4-BE49-F238E27FC236}">
-                <a16:creationId xmlns:a16="http://schemas.microsoft.com/office/drawing/2014/main" id="{D978D272-174E-4DAE-9388-EC8ABBFE825D}"/>
+                <a16:creationId xmlns:a16="http://schemas.microsoft.com/office/drawing/2014/main" xmlns="" id="{D978D272-174E-4DAE-9388-EC8ABBFE825D}"/>
               </a:ext>
             </a:extLst>
           </p:cNvPr>
@@ -11249,7 +11291,7 @@
           <p:cNvPr id="5" name="Picture 4">
             <a:extLst>
               <a:ext uri="{FF2B5EF4-FFF2-40B4-BE49-F238E27FC236}">
-                <a16:creationId xmlns:a16="http://schemas.microsoft.com/office/drawing/2014/main" id="{492C55B7-CAEB-4BD5-84A8-59BB52D4916C}"/>
+                <a16:creationId xmlns:a16="http://schemas.microsoft.com/office/drawing/2014/main" xmlns="" id="{492C55B7-CAEB-4BD5-84A8-59BB52D4916C}"/>
               </a:ext>
             </a:extLst>
           </p:cNvPr>
@@ -11286,6 +11328,13 @@
   <p:clrMapOvr>
     <a:masterClrMapping/>
   </p:clrMapOvr>
+  <p:timing>
+    <p:tnLst>
+      <p:par>
+        <p:cTn id="1" dur="indefinite" restart="never" nodeType="tmRoot"/>
+      </p:par>
+    </p:tnLst>
+  </p:timing>
 </p:sld>
 </file>
 
@@ -11311,7 +11360,7 @@
           <p:cNvPr id="2" name="Title 1">
             <a:extLst>
               <a:ext uri="{FF2B5EF4-FFF2-40B4-BE49-F238E27FC236}">
-                <a16:creationId xmlns:a16="http://schemas.microsoft.com/office/drawing/2014/main" id="{D5B87FC0-ED9E-4E51-9889-B2EC2533DCFB}"/>
+                <a16:creationId xmlns:a16="http://schemas.microsoft.com/office/drawing/2014/main" xmlns="" id="{D5B87FC0-ED9E-4E51-9889-B2EC2533DCFB}"/>
               </a:ext>
             </a:extLst>
           </p:cNvPr>
@@ -11339,7 +11388,7 @@
           <p:cNvPr id="3" name="Content Placeholder 2">
             <a:extLst>
               <a:ext uri="{FF2B5EF4-FFF2-40B4-BE49-F238E27FC236}">
-                <a16:creationId xmlns:a16="http://schemas.microsoft.com/office/drawing/2014/main" id="{0A56CB04-3FCE-4738-9680-5D700A088633}"/>
+                <a16:creationId xmlns:a16="http://schemas.microsoft.com/office/drawing/2014/main" xmlns="" id="{0A56CB04-3FCE-4738-9680-5D700A088633}"/>
               </a:ext>
             </a:extLst>
           </p:cNvPr>
@@ -11400,7 +11449,7 @@
           <p:cNvPr id="4" name="Slide Number Placeholder 3">
             <a:extLst>
               <a:ext uri="{FF2B5EF4-FFF2-40B4-BE49-F238E27FC236}">
-                <a16:creationId xmlns:a16="http://schemas.microsoft.com/office/drawing/2014/main" id="{567B8B10-8800-4923-8783-DE70AEE51C07}"/>
+                <a16:creationId xmlns:a16="http://schemas.microsoft.com/office/drawing/2014/main" xmlns="" id="{567B8B10-8800-4923-8783-DE70AEE51C07}"/>
               </a:ext>
             </a:extLst>
           </p:cNvPr>
@@ -11434,6 +11483,13 @@
   <p:clrMapOvr>
     <a:masterClrMapping/>
   </p:clrMapOvr>
+  <p:timing>
+    <p:tnLst>
+      <p:par>
+        <p:cTn id="1" dur="indefinite" restart="never" nodeType="tmRoot"/>
+      </p:par>
+    </p:tnLst>
+  </p:timing>
 </p:sld>
 </file>
 
@@ -11459,7 +11515,7 @@
           <p:cNvPr id="2" name="Title 1">
             <a:extLst>
               <a:ext uri="{FF2B5EF4-FFF2-40B4-BE49-F238E27FC236}">
-                <a16:creationId xmlns:a16="http://schemas.microsoft.com/office/drawing/2014/main" id="{7410AB56-FA5C-4391-AC8A-23AF6EA96A3D}"/>
+                <a16:creationId xmlns:a16="http://schemas.microsoft.com/office/drawing/2014/main" xmlns="" id="{7410AB56-FA5C-4391-AC8A-23AF6EA96A3D}"/>
               </a:ext>
             </a:extLst>
           </p:cNvPr>
@@ -11487,7 +11543,7 @@
           <p:cNvPr id="4" name="Slide Number Placeholder 3">
             <a:extLst>
               <a:ext uri="{FF2B5EF4-FFF2-40B4-BE49-F238E27FC236}">
-                <a16:creationId xmlns:a16="http://schemas.microsoft.com/office/drawing/2014/main" id="{FCCFAF86-B5F7-4538-9F4E-A0591DDFE2EF}"/>
+                <a16:creationId xmlns:a16="http://schemas.microsoft.com/office/drawing/2014/main" xmlns="" id="{FCCFAF86-B5F7-4538-9F4E-A0591DDFE2EF}"/>
               </a:ext>
             </a:extLst>
           </p:cNvPr>
@@ -11516,7 +11572,7 @@
           <p:cNvPr id="7" name="Group 4">
             <a:extLst>
               <a:ext uri="{FF2B5EF4-FFF2-40B4-BE49-F238E27FC236}">
-                <a16:creationId xmlns:a16="http://schemas.microsoft.com/office/drawing/2014/main" id="{64381BA0-31BA-4D57-8D0F-1872C7DCD29F}"/>
+                <a16:creationId xmlns:a16="http://schemas.microsoft.com/office/drawing/2014/main" xmlns="" id="{64381BA0-31BA-4D57-8D0F-1872C7DCD29F}"/>
               </a:ext>
             </a:extLst>
           </p:cNvPr>
@@ -11538,7 +11594,7 @@
             <p:cNvPr id="8" name="AutoShape 3">
               <a:extLst>
                 <a:ext uri="{FF2B5EF4-FFF2-40B4-BE49-F238E27FC236}">
-                  <a16:creationId xmlns:a16="http://schemas.microsoft.com/office/drawing/2014/main" id="{F3934B37-C572-4E1F-AF52-A491C94E402D}"/>
+                  <a16:creationId xmlns:a16="http://schemas.microsoft.com/office/drawing/2014/main" xmlns="" id="{F3934B37-C572-4E1F-AF52-A491C94E402D}"/>
                 </a:ext>
               </a:extLst>
             </p:cNvPr>
@@ -11596,7 +11652,7 @@
             <p:cNvPr id="1029" name="Picture 5">
               <a:extLst>
                 <a:ext uri="{FF2B5EF4-FFF2-40B4-BE49-F238E27FC236}">
-                  <a16:creationId xmlns:a16="http://schemas.microsoft.com/office/drawing/2014/main" id="{66896ED3-6BF8-4049-A84B-E5AE3E964BC3}"/>
+                  <a16:creationId xmlns:a16="http://schemas.microsoft.com/office/drawing/2014/main" xmlns="" id="{66896ED3-6BF8-4049-A84B-E5AE3E964BC3}"/>
                 </a:ext>
               </a:extLst>
             </p:cNvPr>
@@ -11662,6 +11718,13 @@
   <p:clrMapOvr>
     <a:masterClrMapping/>
   </p:clrMapOvr>
+  <p:timing>
+    <p:tnLst>
+      <p:par>
+        <p:cTn id="1" dur="indefinite" restart="never" nodeType="tmRoot"/>
+      </p:par>
+    </p:tnLst>
+  </p:timing>
 </p:sld>
 </file>
 
@@ -11687,7 +11750,7 @@
           <p:cNvPr id="2" name="Title 1">
             <a:extLst>
               <a:ext uri="{FF2B5EF4-FFF2-40B4-BE49-F238E27FC236}">
-                <a16:creationId xmlns:a16="http://schemas.microsoft.com/office/drawing/2014/main" id="{D4ACCCB6-0FD0-4CBF-961A-1DE0390BE41B}"/>
+                <a16:creationId xmlns:a16="http://schemas.microsoft.com/office/drawing/2014/main" xmlns="" id="{D4ACCCB6-0FD0-4CBF-961A-1DE0390BE41B}"/>
               </a:ext>
             </a:extLst>
           </p:cNvPr>
@@ -11715,7 +11778,7 @@
           <p:cNvPr id="3" name="Slide Number Placeholder 2">
             <a:extLst>
               <a:ext uri="{FF2B5EF4-FFF2-40B4-BE49-F238E27FC236}">
-                <a16:creationId xmlns:a16="http://schemas.microsoft.com/office/drawing/2014/main" id="{FC064429-9D94-411B-B78F-64E204B691CE}"/>
+                <a16:creationId xmlns:a16="http://schemas.microsoft.com/office/drawing/2014/main" xmlns="" id="{FC064429-9D94-411B-B78F-64E204B691CE}"/>
               </a:ext>
             </a:extLst>
           </p:cNvPr>
@@ -11744,7 +11807,7 @@
           <p:cNvPr id="6" name="Group 4">
             <a:extLst>
               <a:ext uri="{FF2B5EF4-FFF2-40B4-BE49-F238E27FC236}">
-                <a16:creationId xmlns:a16="http://schemas.microsoft.com/office/drawing/2014/main" id="{F568D462-C2E7-4D00-BC5B-503FE870AB53}"/>
+                <a16:creationId xmlns:a16="http://schemas.microsoft.com/office/drawing/2014/main" xmlns="" id="{F568D462-C2E7-4D00-BC5B-503FE870AB53}"/>
               </a:ext>
             </a:extLst>
           </p:cNvPr>
@@ -11766,7 +11829,7 @@
             <p:cNvPr id="7" name="AutoShape 3">
               <a:extLst>
                 <a:ext uri="{FF2B5EF4-FFF2-40B4-BE49-F238E27FC236}">
-                  <a16:creationId xmlns:a16="http://schemas.microsoft.com/office/drawing/2014/main" id="{3A71D7C5-57FC-4B49-9AED-7DD09839FCB0}"/>
+                  <a16:creationId xmlns:a16="http://schemas.microsoft.com/office/drawing/2014/main" xmlns="" id="{3A71D7C5-57FC-4B49-9AED-7DD09839FCB0}"/>
                 </a:ext>
               </a:extLst>
             </p:cNvPr>
@@ -11824,7 +11887,7 @@
             <p:cNvPr id="2053" name="Picture 5">
               <a:extLst>
                 <a:ext uri="{FF2B5EF4-FFF2-40B4-BE49-F238E27FC236}">
-                  <a16:creationId xmlns:a16="http://schemas.microsoft.com/office/drawing/2014/main" id="{99CC2D3E-EBC9-4DD2-9EC1-D7BDB2DBD0A6}"/>
+                  <a16:creationId xmlns:a16="http://schemas.microsoft.com/office/drawing/2014/main" xmlns="" id="{99CC2D3E-EBC9-4DD2-9EC1-D7BDB2DBD0A6}"/>
                 </a:ext>
               </a:extLst>
             </p:cNvPr>
@@ -11899,6 +11962,13 @@
   <p:clrMapOvr>
     <a:masterClrMapping/>
   </p:clrMapOvr>
+  <p:timing>
+    <p:tnLst>
+      <p:par>
+        <p:cTn id="1" dur="indefinite" restart="never" nodeType="tmRoot"/>
+      </p:par>
+    </p:tnLst>
+  </p:timing>
 </p:sld>
 </file>
 
@@ -11924,7 +11994,7 @@
           <p:cNvPr id="2" name="Title 1">
             <a:extLst>
               <a:ext uri="{FF2B5EF4-FFF2-40B4-BE49-F238E27FC236}">
-                <a16:creationId xmlns:a16="http://schemas.microsoft.com/office/drawing/2014/main" id="{176B30C2-269E-4C3A-BCB4-01B69A305DD7}"/>
+                <a16:creationId xmlns:a16="http://schemas.microsoft.com/office/drawing/2014/main" xmlns="" id="{176B30C2-269E-4C3A-BCB4-01B69A305DD7}"/>
               </a:ext>
             </a:extLst>
           </p:cNvPr>
@@ -11952,7 +12022,7 @@
           <p:cNvPr id="3" name="Slide Number Placeholder 2">
             <a:extLst>
               <a:ext uri="{FF2B5EF4-FFF2-40B4-BE49-F238E27FC236}">
-                <a16:creationId xmlns:a16="http://schemas.microsoft.com/office/drawing/2014/main" id="{C4CB00C5-00B1-4E10-A001-C697BBD0D032}"/>
+                <a16:creationId xmlns:a16="http://schemas.microsoft.com/office/drawing/2014/main" xmlns="" id="{C4CB00C5-00B1-4E10-A001-C697BBD0D032}"/>
               </a:ext>
             </a:extLst>
           </p:cNvPr>
@@ -11981,7 +12051,7 @@
           <p:cNvPr id="6" name="Group 4">
             <a:extLst>
               <a:ext uri="{FF2B5EF4-FFF2-40B4-BE49-F238E27FC236}">
-                <a16:creationId xmlns:a16="http://schemas.microsoft.com/office/drawing/2014/main" id="{F19059A0-24AB-487E-BE6C-73721EDA0C41}"/>
+                <a16:creationId xmlns:a16="http://schemas.microsoft.com/office/drawing/2014/main" xmlns="" id="{F19059A0-24AB-487E-BE6C-73721EDA0C41}"/>
               </a:ext>
             </a:extLst>
           </p:cNvPr>
@@ -12003,7 +12073,7 @@
             <p:cNvPr id="7" name="AutoShape 3">
               <a:extLst>
                 <a:ext uri="{FF2B5EF4-FFF2-40B4-BE49-F238E27FC236}">
-                  <a16:creationId xmlns:a16="http://schemas.microsoft.com/office/drawing/2014/main" id="{7DCA259E-EFC8-4569-BE6F-1ABBEB08ADA2}"/>
+                  <a16:creationId xmlns:a16="http://schemas.microsoft.com/office/drawing/2014/main" xmlns="" id="{7DCA259E-EFC8-4569-BE6F-1ABBEB08ADA2}"/>
                 </a:ext>
               </a:extLst>
             </p:cNvPr>
@@ -12061,7 +12131,7 @@
             <p:cNvPr id="3077" name="Picture 5">
               <a:extLst>
                 <a:ext uri="{FF2B5EF4-FFF2-40B4-BE49-F238E27FC236}">
-                  <a16:creationId xmlns:a16="http://schemas.microsoft.com/office/drawing/2014/main" id="{09B019EF-53DF-46F8-BCF7-F393B95662A7}"/>
+                  <a16:creationId xmlns:a16="http://schemas.microsoft.com/office/drawing/2014/main" xmlns="" id="{09B019EF-53DF-46F8-BCF7-F393B95662A7}"/>
                 </a:ext>
               </a:extLst>
             </p:cNvPr>
@@ -12122,7 +12192,7 @@
           <p:cNvPr id="10" name="Group 8">
             <a:extLst>
               <a:ext uri="{FF2B5EF4-FFF2-40B4-BE49-F238E27FC236}">
-                <a16:creationId xmlns:a16="http://schemas.microsoft.com/office/drawing/2014/main" id="{A286924B-9248-4453-99CA-82C9C523F2E1}"/>
+                <a16:creationId xmlns:a16="http://schemas.microsoft.com/office/drawing/2014/main" xmlns="" id="{A286924B-9248-4453-99CA-82C9C523F2E1}"/>
               </a:ext>
             </a:extLst>
           </p:cNvPr>
@@ -12144,7 +12214,7 @@
             <p:cNvPr id="11" name="AutoShape 7">
               <a:extLst>
                 <a:ext uri="{FF2B5EF4-FFF2-40B4-BE49-F238E27FC236}">
-                  <a16:creationId xmlns:a16="http://schemas.microsoft.com/office/drawing/2014/main" id="{D788C90C-EFBC-4568-964D-ABCDAD7F0359}"/>
+                  <a16:creationId xmlns:a16="http://schemas.microsoft.com/office/drawing/2014/main" xmlns="" id="{D788C90C-EFBC-4568-964D-ABCDAD7F0359}"/>
                 </a:ext>
               </a:extLst>
             </p:cNvPr>
@@ -12202,7 +12272,7 @@
             <p:cNvPr id="3081" name="Picture 9">
               <a:extLst>
                 <a:ext uri="{FF2B5EF4-FFF2-40B4-BE49-F238E27FC236}">
-                  <a16:creationId xmlns:a16="http://schemas.microsoft.com/office/drawing/2014/main" id="{96DBF30D-3DDF-486E-9545-82611BD3EFB2}"/>
+                  <a16:creationId xmlns:a16="http://schemas.microsoft.com/office/drawing/2014/main" xmlns="" id="{96DBF30D-3DDF-486E-9545-82611BD3EFB2}"/>
                 </a:ext>
               </a:extLst>
             </p:cNvPr>
@@ -12277,6 +12347,13 @@
   <p:clrMapOvr>
     <a:masterClrMapping/>
   </p:clrMapOvr>
+  <p:timing>
+    <p:tnLst>
+      <p:par>
+        <p:cTn id="1" dur="indefinite" restart="never" nodeType="tmRoot"/>
+      </p:par>
+    </p:tnLst>
+  </p:timing>
 </p:sld>
 </file>
 
@@ -12302,7 +12379,7 @@
           <p:cNvPr id="2" name="Title 1">
             <a:extLst>
               <a:ext uri="{FF2B5EF4-FFF2-40B4-BE49-F238E27FC236}">
-                <a16:creationId xmlns:a16="http://schemas.microsoft.com/office/drawing/2014/main" id="{9DC02BC3-DE0B-47C3-8CE2-84366B44C5C5}"/>
+                <a16:creationId xmlns:a16="http://schemas.microsoft.com/office/drawing/2014/main" xmlns="" id="{9DC02BC3-DE0B-47C3-8CE2-84366B44C5C5}"/>
               </a:ext>
             </a:extLst>
           </p:cNvPr>
@@ -12332,7 +12409,7 @@
               <p:cNvPr id="4" name="Content Placeholder 3">
                 <a:extLst>
                   <a:ext uri="{FF2B5EF4-FFF2-40B4-BE49-F238E27FC236}">
-                    <a16:creationId xmlns:a16="http://schemas.microsoft.com/office/drawing/2014/main" id="{37921CF8-97DE-4003-B634-BC819913E5B5}"/>
+                    <a16:creationId xmlns:a16="http://schemas.microsoft.com/office/drawing/2014/main" xmlns="" id="{37921CF8-97DE-4003-B634-BC819913E5B5}"/>
                   </a:ext>
                 </a:extLst>
               </p:cNvPr>
@@ -12574,7 +12651,7 @@
           <p:cNvPr id="3" name="Slide Number Placeholder 2">
             <a:extLst>
               <a:ext uri="{FF2B5EF4-FFF2-40B4-BE49-F238E27FC236}">
-                <a16:creationId xmlns:a16="http://schemas.microsoft.com/office/drawing/2014/main" id="{AF7C73A1-29F2-4C40-8901-DB039183B213}"/>
+                <a16:creationId xmlns:a16="http://schemas.microsoft.com/office/drawing/2014/main" xmlns="" id="{AF7C73A1-29F2-4C40-8901-DB039183B213}"/>
               </a:ext>
             </a:extLst>
           </p:cNvPr>
@@ -12603,7 +12680,7 @@
           <p:cNvPr id="7" name="Group 4">
             <a:extLst>
               <a:ext uri="{FF2B5EF4-FFF2-40B4-BE49-F238E27FC236}">
-                <a16:creationId xmlns:a16="http://schemas.microsoft.com/office/drawing/2014/main" id="{545A69A7-F4A4-4E03-A0EF-F586A5524189}"/>
+                <a16:creationId xmlns:a16="http://schemas.microsoft.com/office/drawing/2014/main" xmlns="" id="{545A69A7-F4A4-4E03-A0EF-F586A5524189}"/>
               </a:ext>
             </a:extLst>
           </p:cNvPr>
@@ -12625,7 +12702,7 @@
             <p:cNvPr id="8" name="AutoShape 3">
               <a:extLst>
                 <a:ext uri="{FF2B5EF4-FFF2-40B4-BE49-F238E27FC236}">
-                  <a16:creationId xmlns:a16="http://schemas.microsoft.com/office/drawing/2014/main" id="{2CE83F09-3A51-4159-9ADA-A41915378DB7}"/>
+                  <a16:creationId xmlns:a16="http://schemas.microsoft.com/office/drawing/2014/main" xmlns="" id="{2CE83F09-3A51-4159-9ADA-A41915378DB7}"/>
                 </a:ext>
               </a:extLst>
             </p:cNvPr>
@@ -12683,7 +12760,7 @@
             <p:cNvPr id="4101" name="Picture 5">
               <a:extLst>
                 <a:ext uri="{FF2B5EF4-FFF2-40B4-BE49-F238E27FC236}">
-                  <a16:creationId xmlns:a16="http://schemas.microsoft.com/office/drawing/2014/main" id="{524D5DD3-E746-4036-BE5E-A50AC104F378}"/>
+                  <a16:creationId xmlns:a16="http://schemas.microsoft.com/office/drawing/2014/main" xmlns="" id="{524D5DD3-E746-4036-BE5E-A50AC104F378}"/>
                 </a:ext>
               </a:extLst>
             </p:cNvPr>
@@ -12758,6 +12835,13 @@
   <p:clrMapOvr>
     <a:masterClrMapping/>
   </p:clrMapOvr>
+  <p:timing>
+    <p:tnLst>
+      <p:par>
+        <p:cTn id="1" dur="indefinite" restart="never" nodeType="tmRoot"/>
+      </p:par>
+    </p:tnLst>
+  </p:timing>
 </p:sld>
 </file>
 
@@ -12783,7 +12867,7 @@
           <p:cNvPr id="2" name="Title 1">
             <a:extLst>
               <a:ext uri="{FF2B5EF4-FFF2-40B4-BE49-F238E27FC236}">
-                <a16:creationId xmlns:a16="http://schemas.microsoft.com/office/drawing/2014/main" id="{9DC02BC3-DE0B-47C3-8CE2-84366B44C5C5}"/>
+                <a16:creationId xmlns:a16="http://schemas.microsoft.com/office/drawing/2014/main" xmlns="" id="{9DC02BC3-DE0B-47C3-8CE2-84366B44C5C5}"/>
               </a:ext>
             </a:extLst>
           </p:cNvPr>
@@ -12811,7 +12895,7 @@
           <p:cNvPr id="4" name="Content Placeholder 3">
             <a:extLst>
               <a:ext uri="{FF2B5EF4-FFF2-40B4-BE49-F238E27FC236}">
-                <a16:creationId xmlns:a16="http://schemas.microsoft.com/office/drawing/2014/main" id="{37921CF8-97DE-4003-B634-BC819913E5B5}"/>
+                <a16:creationId xmlns:a16="http://schemas.microsoft.com/office/drawing/2014/main" xmlns="" id="{37921CF8-97DE-4003-B634-BC819913E5B5}"/>
               </a:ext>
             </a:extLst>
           </p:cNvPr>
@@ -12852,7 +12936,7 @@
           <p:cNvPr id="3" name="Slide Number Placeholder 2">
             <a:extLst>
               <a:ext uri="{FF2B5EF4-FFF2-40B4-BE49-F238E27FC236}">
-                <a16:creationId xmlns:a16="http://schemas.microsoft.com/office/drawing/2014/main" id="{AF7C73A1-29F2-4C40-8901-DB039183B213}"/>
+                <a16:creationId xmlns:a16="http://schemas.microsoft.com/office/drawing/2014/main" xmlns="" id="{AF7C73A1-29F2-4C40-8901-DB039183B213}"/>
               </a:ext>
             </a:extLst>
           </p:cNvPr>
@@ -12881,7 +12965,7 @@
           <p:cNvPr id="7" name="Group 4">
             <a:extLst>
               <a:ext uri="{FF2B5EF4-FFF2-40B4-BE49-F238E27FC236}">
-                <a16:creationId xmlns:a16="http://schemas.microsoft.com/office/drawing/2014/main" id="{545A69A7-F4A4-4E03-A0EF-F586A5524189}"/>
+                <a16:creationId xmlns:a16="http://schemas.microsoft.com/office/drawing/2014/main" xmlns="" id="{545A69A7-F4A4-4E03-A0EF-F586A5524189}"/>
               </a:ext>
             </a:extLst>
           </p:cNvPr>
@@ -12903,7 +12987,7 @@
             <p:cNvPr id="8" name="AutoShape 3">
               <a:extLst>
                 <a:ext uri="{FF2B5EF4-FFF2-40B4-BE49-F238E27FC236}">
-                  <a16:creationId xmlns:a16="http://schemas.microsoft.com/office/drawing/2014/main" id="{2CE83F09-3A51-4159-9ADA-A41915378DB7}"/>
+                  <a16:creationId xmlns:a16="http://schemas.microsoft.com/office/drawing/2014/main" xmlns="" id="{2CE83F09-3A51-4159-9ADA-A41915378DB7}"/>
                 </a:ext>
               </a:extLst>
             </p:cNvPr>
@@ -12961,7 +13045,7 @@
             <p:cNvPr id="4101" name="Picture 5">
               <a:extLst>
                 <a:ext uri="{FF2B5EF4-FFF2-40B4-BE49-F238E27FC236}">
-                  <a16:creationId xmlns:a16="http://schemas.microsoft.com/office/drawing/2014/main" id="{524D5DD3-E746-4036-BE5E-A50AC104F378}"/>
+                  <a16:creationId xmlns:a16="http://schemas.microsoft.com/office/drawing/2014/main" xmlns="" id="{524D5DD3-E746-4036-BE5E-A50AC104F378}"/>
                 </a:ext>
               </a:extLst>
             </p:cNvPr>
@@ -13300,7 +13384,7 @@
           <p:cNvPr id="2" name="Title 1">
             <a:extLst>
               <a:ext uri="{FF2B5EF4-FFF2-40B4-BE49-F238E27FC236}">
-                <a16:creationId xmlns:a16="http://schemas.microsoft.com/office/drawing/2014/main" id="{9DC02BC3-DE0B-47C3-8CE2-84366B44C5C5}"/>
+                <a16:creationId xmlns:a16="http://schemas.microsoft.com/office/drawing/2014/main" xmlns="" id="{9DC02BC3-DE0B-47C3-8CE2-84366B44C5C5}"/>
               </a:ext>
             </a:extLst>
           </p:cNvPr>
@@ -13333,7 +13417,7 @@
           <p:cNvPr id="3" name="Slide Number Placeholder 2">
             <a:extLst>
               <a:ext uri="{FF2B5EF4-FFF2-40B4-BE49-F238E27FC236}">
-                <a16:creationId xmlns:a16="http://schemas.microsoft.com/office/drawing/2014/main" id="{AF7C73A1-29F2-4C40-8901-DB039183B213}"/>
+                <a16:creationId xmlns:a16="http://schemas.microsoft.com/office/drawing/2014/main" xmlns="" id="{AF7C73A1-29F2-4C40-8901-DB039183B213}"/>
               </a:ext>
             </a:extLst>
           </p:cNvPr>
@@ -13362,7 +13446,7 @@
           <p:cNvPr id="9" name="Group 4">
             <a:extLst>
               <a:ext uri="{FF2B5EF4-FFF2-40B4-BE49-F238E27FC236}">
-                <a16:creationId xmlns:a16="http://schemas.microsoft.com/office/drawing/2014/main" id="{BD542F00-70B7-4953-87ED-4333CDB6714B}"/>
+                <a16:creationId xmlns:a16="http://schemas.microsoft.com/office/drawing/2014/main" xmlns="" id="{BD542F00-70B7-4953-87ED-4333CDB6714B}"/>
               </a:ext>
             </a:extLst>
           </p:cNvPr>
@@ -13384,7 +13468,7 @@
             <p:cNvPr id="10" name="AutoShape 3">
               <a:extLst>
                 <a:ext uri="{FF2B5EF4-FFF2-40B4-BE49-F238E27FC236}">
-                  <a16:creationId xmlns:a16="http://schemas.microsoft.com/office/drawing/2014/main" id="{44E19700-24A7-40CD-87E8-AC3969D2C7E7}"/>
+                  <a16:creationId xmlns:a16="http://schemas.microsoft.com/office/drawing/2014/main" xmlns="" id="{44E19700-24A7-40CD-87E8-AC3969D2C7E7}"/>
                 </a:ext>
               </a:extLst>
             </p:cNvPr>
@@ -13442,7 +13526,7 @@
             <p:cNvPr id="5125" name="Picture 5">
               <a:extLst>
                 <a:ext uri="{FF2B5EF4-FFF2-40B4-BE49-F238E27FC236}">
-                  <a16:creationId xmlns:a16="http://schemas.microsoft.com/office/drawing/2014/main" id="{DEB55C7A-8985-4FBF-B4AF-8CD5D6975414}"/>
+                  <a16:creationId xmlns:a16="http://schemas.microsoft.com/office/drawing/2014/main" xmlns="" id="{DEB55C7A-8985-4FBF-B4AF-8CD5D6975414}"/>
                 </a:ext>
               </a:extLst>
             </p:cNvPr>
@@ -13517,6 +13601,13 @@
   <p:clrMapOvr>
     <a:masterClrMapping/>
   </p:clrMapOvr>
+  <p:timing>
+    <p:tnLst>
+      <p:par>
+        <p:cTn id="1" dur="indefinite" restart="never" nodeType="tmRoot"/>
+      </p:par>
+    </p:tnLst>
+  </p:timing>
 </p:sld>
 </file>
 
@@ -13542,7 +13633,7 @@
           <p:cNvPr id="2" name="Title 1">
             <a:extLst>
               <a:ext uri="{FF2B5EF4-FFF2-40B4-BE49-F238E27FC236}">
-                <a16:creationId xmlns:a16="http://schemas.microsoft.com/office/drawing/2014/main" id="{9DC02BC3-DE0B-47C3-8CE2-84366B44C5C5}"/>
+                <a16:creationId xmlns:a16="http://schemas.microsoft.com/office/drawing/2014/main" xmlns="" id="{9DC02BC3-DE0B-47C3-8CE2-84366B44C5C5}"/>
               </a:ext>
             </a:extLst>
           </p:cNvPr>
@@ -13575,7 +13666,7 @@
           <p:cNvPr id="3" name="Slide Number Placeholder 2">
             <a:extLst>
               <a:ext uri="{FF2B5EF4-FFF2-40B4-BE49-F238E27FC236}">
-                <a16:creationId xmlns:a16="http://schemas.microsoft.com/office/drawing/2014/main" id="{AF7C73A1-29F2-4C40-8901-DB039183B213}"/>
+                <a16:creationId xmlns:a16="http://schemas.microsoft.com/office/drawing/2014/main" xmlns="" id="{AF7C73A1-29F2-4C40-8901-DB039183B213}"/>
               </a:ext>
             </a:extLst>
           </p:cNvPr>
@@ -13604,7 +13695,7 @@
           <p:cNvPr id="6" name="Group 4">
             <a:extLst>
               <a:ext uri="{FF2B5EF4-FFF2-40B4-BE49-F238E27FC236}">
-                <a16:creationId xmlns:a16="http://schemas.microsoft.com/office/drawing/2014/main" id="{648BD6F9-A971-4EB4-B9B1-2B4727EF59FE}"/>
+                <a16:creationId xmlns:a16="http://schemas.microsoft.com/office/drawing/2014/main" xmlns="" id="{648BD6F9-A971-4EB4-B9B1-2B4727EF59FE}"/>
               </a:ext>
             </a:extLst>
           </p:cNvPr>
@@ -13626,7 +13717,7 @@
             <p:cNvPr id="7" name="AutoShape 3">
               <a:extLst>
                 <a:ext uri="{FF2B5EF4-FFF2-40B4-BE49-F238E27FC236}">
-                  <a16:creationId xmlns:a16="http://schemas.microsoft.com/office/drawing/2014/main" id="{2D467879-5A14-45C9-8266-E1D2D17EFDED}"/>
+                  <a16:creationId xmlns:a16="http://schemas.microsoft.com/office/drawing/2014/main" xmlns="" id="{2D467879-5A14-45C9-8266-E1D2D17EFDED}"/>
                 </a:ext>
               </a:extLst>
             </p:cNvPr>
@@ -13684,7 +13775,7 @@
             <p:cNvPr id="6149" name="Picture 5">
               <a:extLst>
                 <a:ext uri="{FF2B5EF4-FFF2-40B4-BE49-F238E27FC236}">
-                  <a16:creationId xmlns:a16="http://schemas.microsoft.com/office/drawing/2014/main" id="{7247E6B5-2059-4BBB-8F49-B7D41D7F67F7}"/>
+                  <a16:creationId xmlns:a16="http://schemas.microsoft.com/office/drawing/2014/main" xmlns="" id="{7247E6B5-2059-4BBB-8F49-B7D41D7F67F7}"/>
                 </a:ext>
               </a:extLst>
             </p:cNvPr>
@@ -13745,7 +13836,7 @@
           <p:cNvPr id="12" name="Group 8">
             <a:extLst>
               <a:ext uri="{FF2B5EF4-FFF2-40B4-BE49-F238E27FC236}">
-                <a16:creationId xmlns:a16="http://schemas.microsoft.com/office/drawing/2014/main" id="{49D44183-5C69-4FA5-B859-D324A7190676}"/>
+                <a16:creationId xmlns:a16="http://schemas.microsoft.com/office/drawing/2014/main" xmlns="" id="{49D44183-5C69-4FA5-B859-D324A7190676}"/>
               </a:ext>
             </a:extLst>
           </p:cNvPr>
@@ -13767,7 +13858,7 @@
             <p:cNvPr id="13" name="AutoShape 7">
               <a:extLst>
                 <a:ext uri="{FF2B5EF4-FFF2-40B4-BE49-F238E27FC236}">
-                  <a16:creationId xmlns:a16="http://schemas.microsoft.com/office/drawing/2014/main" id="{1AE86C51-497D-4439-8282-3E2100E9A11B}"/>
+                  <a16:creationId xmlns:a16="http://schemas.microsoft.com/office/drawing/2014/main" xmlns="" id="{1AE86C51-497D-4439-8282-3E2100E9A11B}"/>
                 </a:ext>
               </a:extLst>
             </p:cNvPr>
@@ -13825,7 +13916,7 @@
             <p:cNvPr id="6153" name="Picture 9">
               <a:extLst>
                 <a:ext uri="{FF2B5EF4-FFF2-40B4-BE49-F238E27FC236}">
-                  <a16:creationId xmlns:a16="http://schemas.microsoft.com/office/drawing/2014/main" id="{094FEEA8-43DF-4F0A-8FD8-3A26C3645597}"/>
+                  <a16:creationId xmlns:a16="http://schemas.microsoft.com/office/drawing/2014/main" xmlns="" id="{094FEEA8-43DF-4F0A-8FD8-3A26C3645597}"/>
                 </a:ext>
               </a:extLst>
             </p:cNvPr>
@@ -13900,6 +13991,13 @@
   <p:clrMapOvr>
     <a:masterClrMapping/>
   </p:clrMapOvr>
+  <p:timing>
+    <p:tnLst>
+      <p:par>
+        <p:cTn id="1" dur="indefinite" restart="never" nodeType="tmRoot"/>
+      </p:par>
+    </p:tnLst>
+  </p:timing>
 </p:sld>
 </file>
 
@@ -13925,7 +14023,7 @@
           <p:cNvPr id="2" name="Title 1">
             <a:extLst>
               <a:ext uri="{FF2B5EF4-FFF2-40B4-BE49-F238E27FC236}">
-                <a16:creationId xmlns:a16="http://schemas.microsoft.com/office/drawing/2014/main" id="{9DC02BC3-DE0B-47C3-8CE2-84366B44C5C5}"/>
+                <a16:creationId xmlns:a16="http://schemas.microsoft.com/office/drawing/2014/main" xmlns="" id="{9DC02BC3-DE0B-47C3-8CE2-84366B44C5C5}"/>
               </a:ext>
             </a:extLst>
           </p:cNvPr>
@@ -13958,7 +14056,7 @@
           <p:cNvPr id="3" name="Slide Number Placeholder 2">
             <a:extLst>
               <a:ext uri="{FF2B5EF4-FFF2-40B4-BE49-F238E27FC236}">
-                <a16:creationId xmlns:a16="http://schemas.microsoft.com/office/drawing/2014/main" id="{AF7C73A1-29F2-4C40-8901-DB039183B213}"/>
+                <a16:creationId xmlns:a16="http://schemas.microsoft.com/office/drawing/2014/main" xmlns="" id="{AF7C73A1-29F2-4C40-8901-DB039183B213}"/>
               </a:ext>
             </a:extLst>
           </p:cNvPr>
@@ -13987,7 +14085,7 @@
           <p:cNvPr id="6" name="Group 4">
             <a:extLst>
               <a:ext uri="{FF2B5EF4-FFF2-40B4-BE49-F238E27FC236}">
-                <a16:creationId xmlns:a16="http://schemas.microsoft.com/office/drawing/2014/main" id="{648BD6F9-A971-4EB4-B9B1-2B4727EF59FE}"/>
+                <a16:creationId xmlns:a16="http://schemas.microsoft.com/office/drawing/2014/main" xmlns="" id="{648BD6F9-A971-4EB4-B9B1-2B4727EF59FE}"/>
               </a:ext>
             </a:extLst>
           </p:cNvPr>
@@ -14009,7 +14107,7 @@
             <p:cNvPr id="7" name="AutoShape 3">
               <a:extLst>
                 <a:ext uri="{FF2B5EF4-FFF2-40B4-BE49-F238E27FC236}">
-                  <a16:creationId xmlns:a16="http://schemas.microsoft.com/office/drawing/2014/main" id="{2D467879-5A14-45C9-8266-E1D2D17EFDED}"/>
+                  <a16:creationId xmlns:a16="http://schemas.microsoft.com/office/drawing/2014/main" xmlns="" id="{2D467879-5A14-45C9-8266-E1D2D17EFDED}"/>
                 </a:ext>
               </a:extLst>
             </p:cNvPr>
@@ -14067,7 +14165,7 @@
             <p:cNvPr id="6149" name="Picture 5">
               <a:extLst>
                 <a:ext uri="{FF2B5EF4-FFF2-40B4-BE49-F238E27FC236}">
-                  <a16:creationId xmlns:a16="http://schemas.microsoft.com/office/drawing/2014/main" id="{7247E6B5-2059-4BBB-8F49-B7D41D7F67F7}"/>
+                  <a16:creationId xmlns:a16="http://schemas.microsoft.com/office/drawing/2014/main" xmlns="" id="{7247E6B5-2059-4BBB-8F49-B7D41D7F67F7}"/>
                 </a:ext>
               </a:extLst>
             </p:cNvPr>
@@ -14128,7 +14226,7 @@
           <p:cNvPr id="16" name="Group 15">
             <a:extLst>
               <a:ext uri="{FF2B5EF4-FFF2-40B4-BE49-F238E27FC236}">
-                <a16:creationId xmlns:a16="http://schemas.microsoft.com/office/drawing/2014/main" id="{3831BF29-D724-4D80-81A6-70112065672B}"/>
+                <a16:creationId xmlns:a16="http://schemas.microsoft.com/office/drawing/2014/main" xmlns="" id="{3831BF29-D724-4D80-81A6-70112065672B}"/>
               </a:ext>
             </a:extLst>
           </p:cNvPr>
@@ -14148,7 +14246,7 @@
             <p:cNvPr id="8" name="Group 4">
               <a:extLst>
                 <a:ext uri="{FF2B5EF4-FFF2-40B4-BE49-F238E27FC236}">
-                  <a16:creationId xmlns:a16="http://schemas.microsoft.com/office/drawing/2014/main" id="{4CB23F40-BD26-4D5B-BB95-D7BFEE4482ED}"/>
+                  <a16:creationId xmlns:a16="http://schemas.microsoft.com/office/drawing/2014/main" xmlns="" id="{4CB23F40-BD26-4D5B-BB95-D7BFEE4482ED}"/>
                 </a:ext>
               </a:extLst>
             </p:cNvPr>
@@ -14170,7 +14268,7 @@
               <p:cNvPr id="9" name="AutoShape 3">
                 <a:extLst>
                   <a:ext uri="{FF2B5EF4-FFF2-40B4-BE49-F238E27FC236}">
-                    <a16:creationId xmlns:a16="http://schemas.microsoft.com/office/drawing/2014/main" id="{5696E6EE-F458-4EC5-B063-47285FF600D3}"/>
+                    <a16:creationId xmlns:a16="http://schemas.microsoft.com/office/drawing/2014/main" xmlns="" id="{5696E6EE-F458-4EC5-B063-47285FF600D3}"/>
                   </a:ext>
                 </a:extLst>
               </p:cNvPr>
@@ -14228,7 +14326,7 @@
               <p:cNvPr id="7173" name="Picture 5">
                 <a:extLst>
                   <a:ext uri="{FF2B5EF4-FFF2-40B4-BE49-F238E27FC236}">
-                    <a16:creationId xmlns:a16="http://schemas.microsoft.com/office/drawing/2014/main" id="{0B7A7948-9CDF-4BC0-995F-348A752011A7}"/>
+                    <a16:creationId xmlns:a16="http://schemas.microsoft.com/office/drawing/2014/main" xmlns="" id="{0B7A7948-9CDF-4BC0-995F-348A752011A7}"/>
                   </a:ext>
                 </a:extLst>
               </p:cNvPr>
@@ -14298,7 +14396,7 @@
             <p:cNvPr id="14" name="Group 8">
               <a:extLst>
                 <a:ext uri="{FF2B5EF4-FFF2-40B4-BE49-F238E27FC236}">
-                  <a16:creationId xmlns:a16="http://schemas.microsoft.com/office/drawing/2014/main" id="{7C4166CF-7F9A-4BD6-9796-C1E02052C6CA}"/>
+                  <a16:creationId xmlns:a16="http://schemas.microsoft.com/office/drawing/2014/main" xmlns="" id="{7C4166CF-7F9A-4BD6-9796-C1E02052C6CA}"/>
                 </a:ext>
               </a:extLst>
             </p:cNvPr>
@@ -14320,7 +14418,7 @@
               <p:cNvPr id="15" name="AutoShape 7">
                 <a:extLst>
                   <a:ext uri="{FF2B5EF4-FFF2-40B4-BE49-F238E27FC236}">
-                    <a16:creationId xmlns:a16="http://schemas.microsoft.com/office/drawing/2014/main" id="{9AFC7578-6116-4A5B-B165-C31560F7EC66}"/>
+                    <a16:creationId xmlns:a16="http://schemas.microsoft.com/office/drawing/2014/main" xmlns="" id="{9AFC7578-6116-4A5B-B165-C31560F7EC66}"/>
                   </a:ext>
                 </a:extLst>
               </p:cNvPr>
@@ -14378,7 +14476,7 @@
               <p:cNvPr id="7177" name="Picture 9">
                 <a:extLst>
                   <a:ext uri="{FF2B5EF4-FFF2-40B4-BE49-F238E27FC236}">
-                    <a16:creationId xmlns:a16="http://schemas.microsoft.com/office/drawing/2014/main" id="{D7FA038B-3EC8-4246-8AF1-C863F8AE5F51}"/>
+                    <a16:creationId xmlns:a16="http://schemas.microsoft.com/office/drawing/2014/main" xmlns="" id="{D7FA038B-3EC8-4246-8AF1-C863F8AE5F51}"/>
                   </a:ext>
                 </a:extLst>
               </p:cNvPr>
@@ -14454,6 +14552,13 @@
   <p:clrMapOvr>
     <a:masterClrMapping/>
   </p:clrMapOvr>
+  <p:timing>
+    <p:tnLst>
+      <p:par>
+        <p:cTn id="1" dur="indefinite" restart="never" nodeType="tmRoot"/>
+      </p:par>
+    </p:tnLst>
+  </p:timing>
 </p:sld>
 </file>
 
@@ -14479,7 +14584,7 @@
           <p:cNvPr id="2" name="Title 1">
             <a:extLst>
               <a:ext uri="{FF2B5EF4-FFF2-40B4-BE49-F238E27FC236}">
-                <a16:creationId xmlns:a16="http://schemas.microsoft.com/office/drawing/2014/main" id="{9DC02BC3-DE0B-47C3-8CE2-84366B44C5C5}"/>
+                <a16:creationId xmlns:a16="http://schemas.microsoft.com/office/drawing/2014/main" xmlns="" id="{9DC02BC3-DE0B-47C3-8CE2-84366B44C5C5}"/>
               </a:ext>
             </a:extLst>
           </p:cNvPr>
@@ -14512,7 +14617,7 @@
           <p:cNvPr id="3" name="Slide Number Placeholder 2">
             <a:extLst>
               <a:ext uri="{FF2B5EF4-FFF2-40B4-BE49-F238E27FC236}">
-                <a16:creationId xmlns:a16="http://schemas.microsoft.com/office/drawing/2014/main" id="{AF7C73A1-29F2-4C40-8901-DB039183B213}"/>
+                <a16:creationId xmlns:a16="http://schemas.microsoft.com/office/drawing/2014/main" xmlns="" id="{AF7C73A1-29F2-4C40-8901-DB039183B213}"/>
               </a:ext>
             </a:extLst>
           </p:cNvPr>
@@ -14541,7 +14646,7 @@
           <p:cNvPr id="10" name="Group 4">
             <a:extLst>
               <a:ext uri="{FF2B5EF4-FFF2-40B4-BE49-F238E27FC236}">
-                <a16:creationId xmlns:a16="http://schemas.microsoft.com/office/drawing/2014/main" id="{7F715082-AB74-42BD-AD76-2C04CE34DC64}"/>
+                <a16:creationId xmlns:a16="http://schemas.microsoft.com/office/drawing/2014/main" xmlns="" id="{7F715082-AB74-42BD-AD76-2C04CE34DC64}"/>
               </a:ext>
             </a:extLst>
           </p:cNvPr>
@@ -14563,7 +14668,7 @@
             <p:cNvPr id="11" name="AutoShape 3">
               <a:extLst>
                 <a:ext uri="{FF2B5EF4-FFF2-40B4-BE49-F238E27FC236}">
-                  <a16:creationId xmlns:a16="http://schemas.microsoft.com/office/drawing/2014/main" id="{8893B451-6135-4F35-A488-2B6B041AE3C4}"/>
+                  <a16:creationId xmlns:a16="http://schemas.microsoft.com/office/drawing/2014/main" xmlns="" id="{8893B451-6135-4F35-A488-2B6B041AE3C4}"/>
                 </a:ext>
               </a:extLst>
             </p:cNvPr>
@@ -14621,7 +14726,7 @@
             <p:cNvPr id="1029" name="Picture 5">
               <a:extLst>
                 <a:ext uri="{FF2B5EF4-FFF2-40B4-BE49-F238E27FC236}">
-                  <a16:creationId xmlns:a16="http://schemas.microsoft.com/office/drawing/2014/main" id="{EEEED6E8-F51B-44EB-A629-D8911979BCAD}"/>
+                  <a16:creationId xmlns:a16="http://schemas.microsoft.com/office/drawing/2014/main" xmlns="" id="{EEEED6E8-F51B-44EB-A629-D8911979BCAD}"/>
                 </a:ext>
               </a:extLst>
             </p:cNvPr>
@@ -14696,6 +14801,13 @@
   <p:clrMapOvr>
     <a:masterClrMapping/>
   </p:clrMapOvr>
+  <p:timing>
+    <p:tnLst>
+      <p:par>
+        <p:cTn id="1" dur="indefinite" restart="never" nodeType="tmRoot"/>
+      </p:par>
+    </p:tnLst>
+  </p:timing>
 </p:sld>
 </file>
 
@@ -14721,7 +14833,7 @@
           <p:cNvPr id="2" name="Title 1">
             <a:extLst>
               <a:ext uri="{FF2B5EF4-FFF2-40B4-BE49-F238E27FC236}">
-                <a16:creationId xmlns:a16="http://schemas.microsoft.com/office/drawing/2014/main" id="{9DC02BC3-DE0B-47C3-8CE2-84366B44C5C5}"/>
+                <a16:creationId xmlns:a16="http://schemas.microsoft.com/office/drawing/2014/main" xmlns="" id="{9DC02BC3-DE0B-47C3-8CE2-84366B44C5C5}"/>
               </a:ext>
             </a:extLst>
           </p:cNvPr>
@@ -14754,7 +14866,7 @@
           <p:cNvPr id="3" name="Slide Number Placeholder 2">
             <a:extLst>
               <a:ext uri="{FF2B5EF4-FFF2-40B4-BE49-F238E27FC236}">
-                <a16:creationId xmlns:a16="http://schemas.microsoft.com/office/drawing/2014/main" id="{AF7C73A1-29F2-4C40-8901-DB039183B213}"/>
+                <a16:creationId xmlns:a16="http://schemas.microsoft.com/office/drawing/2014/main" xmlns="" id="{AF7C73A1-29F2-4C40-8901-DB039183B213}"/>
               </a:ext>
             </a:extLst>
           </p:cNvPr>
@@ -14783,7 +14895,7 @@
           <p:cNvPr id="6" name="Group 4">
             <a:extLst>
               <a:ext uri="{FF2B5EF4-FFF2-40B4-BE49-F238E27FC236}">
-                <a16:creationId xmlns:a16="http://schemas.microsoft.com/office/drawing/2014/main" id="{7C183F4B-9307-44BE-AA7A-F9DB53B46CCB}"/>
+                <a16:creationId xmlns:a16="http://schemas.microsoft.com/office/drawing/2014/main" xmlns="" id="{7C183F4B-9307-44BE-AA7A-F9DB53B46CCB}"/>
               </a:ext>
             </a:extLst>
           </p:cNvPr>
@@ -14805,7 +14917,7 @@
             <p:cNvPr id="7" name="AutoShape 3">
               <a:extLst>
                 <a:ext uri="{FF2B5EF4-FFF2-40B4-BE49-F238E27FC236}">
-                  <a16:creationId xmlns:a16="http://schemas.microsoft.com/office/drawing/2014/main" id="{6064138B-7E67-443A-8427-5AE41A605D22}"/>
+                  <a16:creationId xmlns:a16="http://schemas.microsoft.com/office/drawing/2014/main" xmlns="" id="{6064138B-7E67-443A-8427-5AE41A605D22}"/>
                 </a:ext>
               </a:extLst>
             </p:cNvPr>
@@ -14863,7 +14975,7 @@
             <p:cNvPr id="2053" name="Picture 5">
               <a:extLst>
                 <a:ext uri="{FF2B5EF4-FFF2-40B4-BE49-F238E27FC236}">
-                  <a16:creationId xmlns:a16="http://schemas.microsoft.com/office/drawing/2014/main" id="{B00C3196-9983-4F17-B0B9-A6627F364EEC}"/>
+                  <a16:creationId xmlns:a16="http://schemas.microsoft.com/office/drawing/2014/main" xmlns="" id="{B00C3196-9983-4F17-B0B9-A6627F364EEC}"/>
                 </a:ext>
               </a:extLst>
             </p:cNvPr>
@@ -14938,6 +15050,13 @@
   <p:clrMapOvr>
     <a:masterClrMapping/>
   </p:clrMapOvr>
+  <p:timing>
+    <p:tnLst>
+      <p:par>
+        <p:cTn id="1" dur="indefinite" restart="never" nodeType="tmRoot"/>
+      </p:par>
+    </p:tnLst>
+  </p:timing>
 </p:sld>
 </file>
 
@@ -14963,7 +15082,7 @@
           <p:cNvPr id="2" name="Title 1">
             <a:extLst>
               <a:ext uri="{FF2B5EF4-FFF2-40B4-BE49-F238E27FC236}">
-                <a16:creationId xmlns:a16="http://schemas.microsoft.com/office/drawing/2014/main" id="{C8DA811E-07C7-461E-ACB9-CF443AFD2F9E}"/>
+                <a16:creationId xmlns:a16="http://schemas.microsoft.com/office/drawing/2014/main" xmlns="" id="{C8DA811E-07C7-461E-ACB9-CF443AFD2F9E}"/>
               </a:ext>
             </a:extLst>
           </p:cNvPr>
@@ -14993,7 +15112,7 @@
               <p:cNvPr id="3" name="Content Placeholder 2">
                 <a:extLst>
                   <a:ext uri="{FF2B5EF4-FFF2-40B4-BE49-F238E27FC236}">
-                    <a16:creationId xmlns:a16="http://schemas.microsoft.com/office/drawing/2014/main" id="{094AFE86-7193-4BC0-B7FC-830CD8041C65}"/>
+                    <a16:creationId xmlns:a16="http://schemas.microsoft.com/office/drawing/2014/main" xmlns="" id="{094AFE86-7193-4BC0-B7FC-830CD8041C65}"/>
                   </a:ext>
                 </a:extLst>
               </p:cNvPr>
@@ -15244,7 +15363,7 @@
           <p:cNvPr id="4" name="Slide Number Placeholder 3">
             <a:extLst>
               <a:ext uri="{FF2B5EF4-FFF2-40B4-BE49-F238E27FC236}">
-                <a16:creationId xmlns:a16="http://schemas.microsoft.com/office/drawing/2014/main" id="{108FCD53-8E70-4E2D-8CDA-8D4277D9C2DA}"/>
+                <a16:creationId xmlns:a16="http://schemas.microsoft.com/office/drawing/2014/main" xmlns="" id="{108FCD53-8E70-4E2D-8CDA-8D4277D9C2DA}"/>
               </a:ext>
             </a:extLst>
           </p:cNvPr>
@@ -15273,7 +15392,7 @@
           <p:cNvPr id="11" name="Group 4">
             <a:extLst>
               <a:ext uri="{FF2B5EF4-FFF2-40B4-BE49-F238E27FC236}">
-                <a16:creationId xmlns:a16="http://schemas.microsoft.com/office/drawing/2014/main" id="{EFB6E3A9-39AE-4B0D-9355-6DCD3683112C}"/>
+                <a16:creationId xmlns:a16="http://schemas.microsoft.com/office/drawing/2014/main" xmlns="" id="{EFB6E3A9-39AE-4B0D-9355-6DCD3683112C}"/>
               </a:ext>
             </a:extLst>
           </p:cNvPr>
@@ -15295,7 +15414,7 @@
             <p:cNvPr id="12" name="AutoShape 3">
               <a:extLst>
                 <a:ext uri="{FF2B5EF4-FFF2-40B4-BE49-F238E27FC236}">
-                  <a16:creationId xmlns:a16="http://schemas.microsoft.com/office/drawing/2014/main" id="{161BD16E-BBE2-4D83-B7B4-D0959CEA92F3}"/>
+                  <a16:creationId xmlns:a16="http://schemas.microsoft.com/office/drawing/2014/main" xmlns="" id="{161BD16E-BBE2-4D83-B7B4-D0959CEA92F3}"/>
                 </a:ext>
               </a:extLst>
             </p:cNvPr>
@@ -15353,7 +15472,7 @@
             <p:cNvPr id="2053" name="Picture 5">
               <a:extLst>
                 <a:ext uri="{FF2B5EF4-FFF2-40B4-BE49-F238E27FC236}">
-                  <a16:creationId xmlns:a16="http://schemas.microsoft.com/office/drawing/2014/main" id="{09C91273-AFBD-4D64-B863-E5ADDA3A8A1F}"/>
+                  <a16:creationId xmlns:a16="http://schemas.microsoft.com/office/drawing/2014/main" xmlns="" id="{09C91273-AFBD-4D64-B863-E5ADDA3A8A1F}"/>
                 </a:ext>
               </a:extLst>
             </p:cNvPr>
@@ -15414,7 +15533,7 @@
           <p:cNvPr id="13" name="Group 8">
             <a:extLst>
               <a:ext uri="{FF2B5EF4-FFF2-40B4-BE49-F238E27FC236}">
-                <a16:creationId xmlns:a16="http://schemas.microsoft.com/office/drawing/2014/main" id="{F7C1BD3B-F3DC-443D-BDF2-F6A66A0ABAAA}"/>
+                <a16:creationId xmlns:a16="http://schemas.microsoft.com/office/drawing/2014/main" xmlns="" id="{F7C1BD3B-F3DC-443D-BDF2-F6A66A0ABAAA}"/>
               </a:ext>
             </a:extLst>
           </p:cNvPr>
@@ -15436,7 +15555,7 @@
             <p:cNvPr id="14" name="AutoShape 7">
               <a:extLst>
                 <a:ext uri="{FF2B5EF4-FFF2-40B4-BE49-F238E27FC236}">
-                  <a16:creationId xmlns:a16="http://schemas.microsoft.com/office/drawing/2014/main" id="{E3BCEBDF-2304-4133-A335-601E51A4493D}"/>
+                  <a16:creationId xmlns:a16="http://schemas.microsoft.com/office/drawing/2014/main" xmlns="" id="{E3BCEBDF-2304-4133-A335-601E51A4493D}"/>
                 </a:ext>
               </a:extLst>
             </p:cNvPr>
@@ -15494,7 +15613,7 @@
             <p:cNvPr id="2057" name="Picture 9">
               <a:extLst>
                 <a:ext uri="{FF2B5EF4-FFF2-40B4-BE49-F238E27FC236}">
-                  <a16:creationId xmlns:a16="http://schemas.microsoft.com/office/drawing/2014/main" id="{5EF0F502-91F4-4A4B-B677-520F501C287E}"/>
+                  <a16:creationId xmlns:a16="http://schemas.microsoft.com/office/drawing/2014/main" xmlns="" id="{5EF0F502-91F4-4A4B-B677-520F501C287E}"/>
                 </a:ext>
               </a:extLst>
             </p:cNvPr>
@@ -15560,6 +15679,13 @@
   <p:clrMapOvr>
     <a:masterClrMapping/>
   </p:clrMapOvr>
+  <p:timing>
+    <p:tnLst>
+      <p:par>
+        <p:cTn id="1" dur="indefinite" restart="never" nodeType="tmRoot"/>
+      </p:par>
+    </p:tnLst>
+  </p:timing>
 </p:sld>
 </file>
 
@@ -15585,7 +15711,7 @@
           <p:cNvPr id="2" name="Title 1">
             <a:extLst>
               <a:ext uri="{FF2B5EF4-FFF2-40B4-BE49-F238E27FC236}">
-                <a16:creationId xmlns:a16="http://schemas.microsoft.com/office/drawing/2014/main" id="{C8DA811E-07C7-461E-ACB9-CF443AFD2F9E}"/>
+                <a16:creationId xmlns:a16="http://schemas.microsoft.com/office/drawing/2014/main" xmlns="" id="{C8DA811E-07C7-461E-ACB9-CF443AFD2F9E}"/>
               </a:ext>
             </a:extLst>
           </p:cNvPr>
@@ -15615,7 +15741,7 @@
               <p:cNvPr id="3" name="Content Placeholder 2">
                 <a:extLst>
                   <a:ext uri="{FF2B5EF4-FFF2-40B4-BE49-F238E27FC236}">
-                    <a16:creationId xmlns:a16="http://schemas.microsoft.com/office/drawing/2014/main" id="{094AFE86-7193-4BC0-B7FC-830CD8041C65}"/>
+                    <a16:creationId xmlns:a16="http://schemas.microsoft.com/office/drawing/2014/main" xmlns="" id="{094AFE86-7193-4BC0-B7FC-830CD8041C65}"/>
                   </a:ext>
                 </a:extLst>
               </p:cNvPr>
@@ -15799,7 +15925,7 @@
           <p:cNvPr id="4" name="Slide Number Placeholder 3">
             <a:extLst>
               <a:ext uri="{FF2B5EF4-FFF2-40B4-BE49-F238E27FC236}">
-                <a16:creationId xmlns:a16="http://schemas.microsoft.com/office/drawing/2014/main" id="{108FCD53-8E70-4E2D-8CDA-8D4277D9C2DA}"/>
+                <a16:creationId xmlns:a16="http://schemas.microsoft.com/office/drawing/2014/main" xmlns="" id="{108FCD53-8E70-4E2D-8CDA-8D4277D9C2DA}"/>
               </a:ext>
             </a:extLst>
           </p:cNvPr>
@@ -15828,7 +15954,7 @@
           <p:cNvPr id="7" name="Group 4">
             <a:extLst>
               <a:ext uri="{FF2B5EF4-FFF2-40B4-BE49-F238E27FC236}">
-                <a16:creationId xmlns:a16="http://schemas.microsoft.com/office/drawing/2014/main" id="{0B939C63-BC30-427D-82E6-50BADDF41E55}"/>
+                <a16:creationId xmlns:a16="http://schemas.microsoft.com/office/drawing/2014/main" xmlns="" id="{0B939C63-BC30-427D-82E6-50BADDF41E55}"/>
               </a:ext>
             </a:extLst>
           </p:cNvPr>
@@ -15850,7 +15976,7 @@
             <p:cNvPr id="9" name="AutoShape 3">
               <a:extLst>
                 <a:ext uri="{FF2B5EF4-FFF2-40B4-BE49-F238E27FC236}">
-                  <a16:creationId xmlns:a16="http://schemas.microsoft.com/office/drawing/2014/main" id="{84A443F1-808F-426A-A69E-DA932BA6B745}"/>
+                  <a16:creationId xmlns:a16="http://schemas.microsoft.com/office/drawing/2014/main" xmlns="" id="{84A443F1-808F-426A-A69E-DA932BA6B745}"/>
                 </a:ext>
               </a:extLst>
             </p:cNvPr>
@@ -15908,7 +16034,7 @@
             <p:cNvPr id="1029" name="Picture 5">
               <a:extLst>
                 <a:ext uri="{FF2B5EF4-FFF2-40B4-BE49-F238E27FC236}">
-                  <a16:creationId xmlns:a16="http://schemas.microsoft.com/office/drawing/2014/main" id="{5C94738B-5BD3-419E-8B1B-FD7C195ED01A}"/>
+                  <a16:creationId xmlns:a16="http://schemas.microsoft.com/office/drawing/2014/main" xmlns="" id="{5C94738B-5BD3-419E-8B1B-FD7C195ED01A}"/>
                 </a:ext>
               </a:extLst>
             </p:cNvPr>
@@ -15969,7 +16095,7 @@
           <p:cNvPr id="13" name="Group 8">
             <a:extLst>
               <a:ext uri="{FF2B5EF4-FFF2-40B4-BE49-F238E27FC236}">
-                <a16:creationId xmlns:a16="http://schemas.microsoft.com/office/drawing/2014/main" id="{0184548A-73E6-4B48-853A-8A13F04EAFD3}"/>
+                <a16:creationId xmlns:a16="http://schemas.microsoft.com/office/drawing/2014/main" xmlns="" id="{0184548A-73E6-4B48-853A-8A13F04EAFD3}"/>
               </a:ext>
             </a:extLst>
           </p:cNvPr>
@@ -15991,7 +16117,7 @@
             <p:cNvPr id="14" name="AutoShape 7">
               <a:extLst>
                 <a:ext uri="{FF2B5EF4-FFF2-40B4-BE49-F238E27FC236}">
-                  <a16:creationId xmlns:a16="http://schemas.microsoft.com/office/drawing/2014/main" id="{D81B96ED-0C91-42C8-A63B-F7570EBB88EE}"/>
+                  <a16:creationId xmlns:a16="http://schemas.microsoft.com/office/drawing/2014/main" xmlns="" id="{D81B96ED-0C91-42C8-A63B-F7570EBB88EE}"/>
                 </a:ext>
               </a:extLst>
             </p:cNvPr>
@@ -16049,7 +16175,7 @@
             <p:cNvPr id="1033" name="Picture 9">
               <a:extLst>
                 <a:ext uri="{FF2B5EF4-FFF2-40B4-BE49-F238E27FC236}">
-                  <a16:creationId xmlns:a16="http://schemas.microsoft.com/office/drawing/2014/main" id="{55E29A24-C39B-40D0-85E5-67F1F577A081}"/>
+                  <a16:creationId xmlns:a16="http://schemas.microsoft.com/office/drawing/2014/main" xmlns="" id="{55E29A24-C39B-40D0-85E5-67F1F577A081}"/>
                 </a:ext>
               </a:extLst>
             </p:cNvPr>
@@ -16115,6 +16241,13 @@
   <p:clrMapOvr>
     <a:masterClrMapping/>
   </p:clrMapOvr>
+  <p:timing>
+    <p:tnLst>
+      <p:par>
+        <p:cTn id="1" dur="indefinite" restart="never" nodeType="tmRoot"/>
+      </p:par>
+    </p:tnLst>
+  </p:timing>
 </p:sld>
 </file>
 
@@ -16140,7 +16273,7 @@
           <p:cNvPr id="2" name="Title 1">
             <a:extLst>
               <a:ext uri="{FF2B5EF4-FFF2-40B4-BE49-F238E27FC236}">
-                <a16:creationId xmlns:a16="http://schemas.microsoft.com/office/drawing/2014/main" id="{C8DA811E-07C7-461E-ACB9-CF443AFD2F9E}"/>
+                <a16:creationId xmlns:a16="http://schemas.microsoft.com/office/drawing/2014/main" xmlns="" id="{C8DA811E-07C7-461E-ACB9-CF443AFD2F9E}"/>
               </a:ext>
             </a:extLst>
           </p:cNvPr>
@@ -16170,7 +16303,7 @@
               <p:cNvPr id="3" name="Content Placeholder 2">
                 <a:extLst>
                   <a:ext uri="{FF2B5EF4-FFF2-40B4-BE49-F238E27FC236}">
-                    <a16:creationId xmlns:a16="http://schemas.microsoft.com/office/drawing/2014/main" id="{094AFE86-7193-4BC0-B7FC-830CD8041C65}"/>
+                    <a16:creationId xmlns:a16="http://schemas.microsoft.com/office/drawing/2014/main" xmlns="" id="{094AFE86-7193-4BC0-B7FC-830CD8041C65}"/>
                   </a:ext>
                 </a:extLst>
               </p:cNvPr>
@@ -16414,7 +16547,7 @@
           <p:cNvPr id="4" name="Slide Number Placeholder 3">
             <a:extLst>
               <a:ext uri="{FF2B5EF4-FFF2-40B4-BE49-F238E27FC236}">
-                <a16:creationId xmlns:a16="http://schemas.microsoft.com/office/drawing/2014/main" id="{108FCD53-8E70-4E2D-8CDA-8D4277D9C2DA}"/>
+                <a16:creationId xmlns:a16="http://schemas.microsoft.com/office/drawing/2014/main" xmlns="" id="{108FCD53-8E70-4E2D-8CDA-8D4277D9C2DA}"/>
               </a:ext>
             </a:extLst>
           </p:cNvPr>
@@ -16445,7 +16578,7 @@
               <p:cNvPr id="5" name="TextBox 4">
                 <a:extLst>
                   <a:ext uri="{FF2B5EF4-FFF2-40B4-BE49-F238E27FC236}">
-                    <a16:creationId xmlns:a16="http://schemas.microsoft.com/office/drawing/2014/main" id="{B33C95D6-7876-468A-8A34-27B5D460C863}"/>
+                    <a16:creationId xmlns:a16="http://schemas.microsoft.com/office/drawing/2014/main" xmlns="" id="{B33C95D6-7876-468A-8A34-27B5D460C863}"/>
                   </a:ext>
                 </a:extLst>
               </p:cNvPr>
@@ -16632,7 +16765,7 @@
               <p:cNvPr id="6" name="TextBox 5">
                 <a:extLst>
                   <a:ext uri="{FF2B5EF4-FFF2-40B4-BE49-F238E27FC236}">
-                    <a16:creationId xmlns:a16="http://schemas.microsoft.com/office/drawing/2014/main" id="{3B0C2F52-216D-4151-B55A-06A1E1E58B3D}"/>
+                    <a16:creationId xmlns:a16="http://schemas.microsoft.com/office/drawing/2014/main" xmlns="" id="{3B0C2F52-216D-4151-B55A-06A1E1E58B3D}"/>
                   </a:ext>
                 </a:extLst>
               </p:cNvPr>
@@ -16806,6 +16939,13 @@
   <p:clrMapOvr>
     <a:masterClrMapping/>
   </p:clrMapOvr>
+  <p:timing>
+    <p:tnLst>
+      <p:par>
+        <p:cTn id="1" dur="indefinite" restart="never" nodeType="tmRoot"/>
+      </p:par>
+    </p:tnLst>
+  </p:timing>
 </p:sld>
 </file>
 
@@ -16831,7 +16971,7 @@
           <p:cNvPr id="2" name="Title 1">
             <a:extLst>
               <a:ext uri="{FF2B5EF4-FFF2-40B4-BE49-F238E27FC236}">
-                <a16:creationId xmlns:a16="http://schemas.microsoft.com/office/drawing/2014/main" id="{C8DA811E-07C7-461E-ACB9-CF443AFD2F9E}"/>
+                <a16:creationId xmlns:a16="http://schemas.microsoft.com/office/drawing/2014/main" xmlns="" id="{C8DA811E-07C7-461E-ACB9-CF443AFD2F9E}"/>
               </a:ext>
             </a:extLst>
           </p:cNvPr>
@@ -16861,7 +17001,7 @@
               <p:cNvPr id="3" name="Content Placeholder 2">
                 <a:extLst>
                   <a:ext uri="{FF2B5EF4-FFF2-40B4-BE49-F238E27FC236}">
-                    <a16:creationId xmlns:a16="http://schemas.microsoft.com/office/drawing/2014/main" id="{094AFE86-7193-4BC0-B7FC-830CD8041C65}"/>
+                    <a16:creationId xmlns:a16="http://schemas.microsoft.com/office/drawing/2014/main" xmlns="" id="{094AFE86-7193-4BC0-B7FC-830CD8041C65}"/>
                   </a:ext>
                 </a:extLst>
               </p:cNvPr>
@@ -17228,7 +17368,7 @@
           <p:cNvPr id="4" name="Slide Number Placeholder 3">
             <a:extLst>
               <a:ext uri="{FF2B5EF4-FFF2-40B4-BE49-F238E27FC236}">
-                <a16:creationId xmlns:a16="http://schemas.microsoft.com/office/drawing/2014/main" id="{108FCD53-8E70-4E2D-8CDA-8D4277D9C2DA}"/>
+                <a16:creationId xmlns:a16="http://schemas.microsoft.com/office/drawing/2014/main" xmlns="" id="{108FCD53-8E70-4E2D-8CDA-8D4277D9C2DA}"/>
               </a:ext>
             </a:extLst>
           </p:cNvPr>
@@ -17259,7 +17399,7 @@
               <p:cNvPr id="7" name="TextBox 6">
                 <a:extLst>
                   <a:ext uri="{FF2B5EF4-FFF2-40B4-BE49-F238E27FC236}">
-                    <a16:creationId xmlns:a16="http://schemas.microsoft.com/office/drawing/2014/main" id="{70EA1187-277D-4CAE-8105-59F526DDED49}"/>
+                    <a16:creationId xmlns:a16="http://schemas.microsoft.com/office/drawing/2014/main" xmlns="" id="{70EA1187-277D-4CAE-8105-59F526DDED49}"/>
                   </a:ext>
                 </a:extLst>
               </p:cNvPr>
@@ -17418,7 +17558,7 @@
               <p:cNvPr id="8" name="TextBox 7">
                 <a:extLst>
                   <a:ext uri="{FF2B5EF4-FFF2-40B4-BE49-F238E27FC236}">
-                    <a16:creationId xmlns:a16="http://schemas.microsoft.com/office/drawing/2014/main" id="{ED9D9037-7EF5-4495-BE7B-542F568A3728}"/>
+                    <a16:creationId xmlns:a16="http://schemas.microsoft.com/office/drawing/2014/main" xmlns="" id="{ED9D9037-7EF5-4495-BE7B-542F568A3728}"/>
                   </a:ext>
                 </a:extLst>
               </p:cNvPr>
@@ -17601,6 +17741,13 @@
   <p:clrMapOvr>
     <a:masterClrMapping/>
   </p:clrMapOvr>
+  <p:timing>
+    <p:tnLst>
+      <p:par>
+        <p:cTn id="1" dur="indefinite" restart="never" nodeType="tmRoot"/>
+      </p:par>
+    </p:tnLst>
+  </p:timing>
 </p:sld>
 </file>
 
@@ -17626,7 +17773,7 @@
           <p:cNvPr id="2" name="Title 1">
             <a:extLst>
               <a:ext uri="{FF2B5EF4-FFF2-40B4-BE49-F238E27FC236}">
-                <a16:creationId xmlns:a16="http://schemas.microsoft.com/office/drawing/2014/main" id="{C8DA811E-07C7-461E-ACB9-CF443AFD2F9E}"/>
+                <a16:creationId xmlns:a16="http://schemas.microsoft.com/office/drawing/2014/main" xmlns="" id="{C8DA811E-07C7-461E-ACB9-CF443AFD2F9E}"/>
               </a:ext>
             </a:extLst>
           </p:cNvPr>
@@ -17656,7 +17803,7 @@
               <p:cNvPr id="3" name="Content Placeholder 2">
                 <a:extLst>
                   <a:ext uri="{FF2B5EF4-FFF2-40B4-BE49-F238E27FC236}">
-                    <a16:creationId xmlns:a16="http://schemas.microsoft.com/office/drawing/2014/main" id="{094AFE86-7193-4BC0-B7FC-830CD8041C65}"/>
+                    <a16:creationId xmlns:a16="http://schemas.microsoft.com/office/drawing/2014/main" xmlns="" id="{094AFE86-7193-4BC0-B7FC-830CD8041C65}"/>
                   </a:ext>
                 </a:extLst>
               </p:cNvPr>
@@ -18643,7 +18790,7 @@
           <p:cNvPr id="4" name="Slide Number Placeholder 3">
             <a:extLst>
               <a:ext uri="{FF2B5EF4-FFF2-40B4-BE49-F238E27FC236}">
-                <a16:creationId xmlns:a16="http://schemas.microsoft.com/office/drawing/2014/main" id="{108FCD53-8E70-4E2D-8CDA-8D4277D9C2DA}"/>
+                <a16:creationId xmlns:a16="http://schemas.microsoft.com/office/drawing/2014/main" xmlns="" id="{108FCD53-8E70-4E2D-8CDA-8D4277D9C2DA}"/>
               </a:ext>
             </a:extLst>
           </p:cNvPr>
@@ -18677,6 +18824,13 @@
   <p:clrMapOvr>
     <a:masterClrMapping/>
   </p:clrMapOvr>
+  <p:timing>
+    <p:tnLst>
+      <p:par>
+        <p:cTn id="1" dur="indefinite" restart="never" nodeType="tmRoot"/>
+      </p:par>
+    </p:tnLst>
+  </p:timing>
 </p:sld>
 </file>
 
@@ -18702,7 +18856,7 @@
           <p:cNvPr id="2" name="Title 1">
             <a:extLst>
               <a:ext uri="{FF2B5EF4-FFF2-40B4-BE49-F238E27FC236}">
-                <a16:creationId xmlns:a16="http://schemas.microsoft.com/office/drawing/2014/main" id="{005DCA81-31A7-48E2-9A70-4E653ED7B6C0}"/>
+                <a16:creationId xmlns:a16="http://schemas.microsoft.com/office/drawing/2014/main" xmlns="" id="{005DCA81-31A7-48E2-9A70-4E653ED7B6C0}"/>
               </a:ext>
             </a:extLst>
           </p:cNvPr>
@@ -18732,7 +18886,7 @@
               <p:cNvPr id="3" name="Content Placeholder 2">
                 <a:extLst>
                   <a:ext uri="{FF2B5EF4-FFF2-40B4-BE49-F238E27FC236}">
-                    <a16:creationId xmlns:a16="http://schemas.microsoft.com/office/drawing/2014/main" id="{285372DE-7851-4903-BEEE-34510F427858}"/>
+                    <a16:creationId xmlns:a16="http://schemas.microsoft.com/office/drawing/2014/main" xmlns="" id="{285372DE-7851-4903-BEEE-34510F427858}"/>
                   </a:ext>
                 </a:extLst>
               </p:cNvPr>
@@ -18952,7 +19106,7 @@
           <p:cNvPr id="4" name="Slide Number Placeholder 3">
             <a:extLst>
               <a:ext uri="{FF2B5EF4-FFF2-40B4-BE49-F238E27FC236}">
-                <a16:creationId xmlns:a16="http://schemas.microsoft.com/office/drawing/2014/main" id="{1B3192A7-5ED3-4C59-A0DD-94D594BF4A8D}"/>
+                <a16:creationId xmlns:a16="http://schemas.microsoft.com/office/drawing/2014/main" xmlns="" id="{1B3192A7-5ED3-4C59-A0DD-94D594BF4A8D}"/>
               </a:ext>
             </a:extLst>
           </p:cNvPr>
@@ -18981,7 +19135,7 @@
           <p:cNvPr id="7" name="Group 4">
             <a:extLst>
               <a:ext uri="{FF2B5EF4-FFF2-40B4-BE49-F238E27FC236}">
-                <a16:creationId xmlns:a16="http://schemas.microsoft.com/office/drawing/2014/main" id="{9254512E-3E89-4A26-B8FF-61C2EAD9D319}"/>
+                <a16:creationId xmlns:a16="http://schemas.microsoft.com/office/drawing/2014/main" xmlns="" id="{9254512E-3E89-4A26-B8FF-61C2EAD9D319}"/>
               </a:ext>
             </a:extLst>
           </p:cNvPr>
@@ -19003,7 +19157,7 @@
             <p:cNvPr id="8" name="AutoShape 3">
               <a:extLst>
                 <a:ext uri="{FF2B5EF4-FFF2-40B4-BE49-F238E27FC236}">
-                  <a16:creationId xmlns:a16="http://schemas.microsoft.com/office/drawing/2014/main" id="{01F74B01-67E0-47E0-9955-E1DD48B67345}"/>
+                  <a16:creationId xmlns:a16="http://schemas.microsoft.com/office/drawing/2014/main" xmlns="" id="{01F74B01-67E0-47E0-9955-E1DD48B67345}"/>
                 </a:ext>
               </a:extLst>
             </p:cNvPr>
@@ -19061,7 +19215,7 @@
             <p:cNvPr id="3077" name="Picture 5">
               <a:extLst>
                 <a:ext uri="{FF2B5EF4-FFF2-40B4-BE49-F238E27FC236}">
-                  <a16:creationId xmlns:a16="http://schemas.microsoft.com/office/drawing/2014/main" id="{E6CC9DE0-0C71-4093-BA5F-0D1E6C0BA270}"/>
+                  <a16:creationId xmlns:a16="http://schemas.microsoft.com/office/drawing/2014/main" xmlns="" id="{E6CC9DE0-0C71-4093-BA5F-0D1E6C0BA270}"/>
                 </a:ext>
               </a:extLst>
             </p:cNvPr>
@@ -19136,6 +19290,13 @@
   <p:clrMapOvr>
     <a:masterClrMapping/>
   </p:clrMapOvr>
+  <p:timing>
+    <p:tnLst>
+      <p:par>
+        <p:cTn id="1" dur="indefinite" restart="never" nodeType="tmRoot"/>
+      </p:par>
+    </p:tnLst>
+  </p:timing>
 </p:sld>
 </file>
 
@@ -19161,7 +19322,7 @@
           <p:cNvPr id="2" name="Title 1">
             <a:extLst>
               <a:ext uri="{FF2B5EF4-FFF2-40B4-BE49-F238E27FC236}">
-                <a16:creationId xmlns:a16="http://schemas.microsoft.com/office/drawing/2014/main" id="{1AE42EB3-1F60-4F7B-BCCA-DB76A119C7F9}"/>
+                <a16:creationId xmlns:a16="http://schemas.microsoft.com/office/drawing/2014/main" xmlns="" id="{1AE42EB3-1F60-4F7B-BCCA-DB76A119C7F9}"/>
               </a:ext>
             </a:extLst>
           </p:cNvPr>
@@ -19191,7 +19352,7 @@
               <p:cNvPr id="3" name="Content Placeholder 2">
                 <a:extLst>
                   <a:ext uri="{FF2B5EF4-FFF2-40B4-BE49-F238E27FC236}">
-                    <a16:creationId xmlns:a16="http://schemas.microsoft.com/office/drawing/2014/main" id="{3A59AC66-35B3-45B9-9D2E-4013C73CE7F8}"/>
+                    <a16:creationId xmlns:a16="http://schemas.microsoft.com/office/drawing/2014/main" xmlns="" id="{3A59AC66-35B3-45B9-9D2E-4013C73CE7F8}"/>
                   </a:ext>
                 </a:extLst>
               </p:cNvPr>
@@ -19466,7 +19627,7 @@
           <p:cNvPr id="4" name="Slide Number Placeholder 3">
             <a:extLst>
               <a:ext uri="{FF2B5EF4-FFF2-40B4-BE49-F238E27FC236}">
-                <a16:creationId xmlns:a16="http://schemas.microsoft.com/office/drawing/2014/main" id="{971A658F-08A5-4B96-8055-1E01AB6BF4B7}"/>
+                <a16:creationId xmlns:a16="http://schemas.microsoft.com/office/drawing/2014/main" xmlns="" id="{971A658F-08A5-4B96-8055-1E01AB6BF4B7}"/>
               </a:ext>
             </a:extLst>
           </p:cNvPr>
@@ -19497,7 +19658,7 @@
               <p:cNvPr id="5" name="TextBox 4">
                 <a:extLst>
                   <a:ext uri="{FF2B5EF4-FFF2-40B4-BE49-F238E27FC236}">
-                    <a16:creationId xmlns:a16="http://schemas.microsoft.com/office/drawing/2014/main" id="{83D881AC-7776-43CF-B216-E52AC4C4566B}"/>
+                    <a16:creationId xmlns:a16="http://schemas.microsoft.com/office/drawing/2014/main" xmlns="" id="{83D881AC-7776-43CF-B216-E52AC4C4566B}"/>
                   </a:ext>
                 </a:extLst>
               </p:cNvPr>
@@ -19714,7 +19875,7 @@
               <p:cNvPr id="6" name="TextBox 5">
                 <a:extLst>
                   <a:ext uri="{FF2B5EF4-FFF2-40B4-BE49-F238E27FC236}">
-                    <a16:creationId xmlns:a16="http://schemas.microsoft.com/office/drawing/2014/main" id="{7430CEFD-C185-42B0-BFD6-811F181BA201}"/>
+                    <a16:creationId xmlns:a16="http://schemas.microsoft.com/office/drawing/2014/main" xmlns="" id="{7430CEFD-C185-42B0-BFD6-811F181BA201}"/>
                   </a:ext>
                 </a:extLst>
               </p:cNvPr>
@@ -20246,6 +20407,13 @@
   <p:clrMapOvr>
     <a:masterClrMapping/>
   </p:clrMapOvr>
+  <p:timing>
+    <p:tnLst>
+      <p:par>
+        <p:cTn id="1" dur="indefinite" restart="never" nodeType="tmRoot"/>
+      </p:par>
+    </p:tnLst>
+  </p:timing>
 </p:sld>
 </file>
 
@@ -20837,4 +21005,163 @@
     </a:ext>
   </a:extLst>
 </a:theme>
+</file>
+
+<file path=customXml/item1.xml><?xml version="1.0" encoding="utf-8"?>
+<ct:contentTypeSchema xmlns:ct="http://schemas.microsoft.com/office/2006/metadata/contentType" xmlns:ma="http://schemas.microsoft.com/office/2006/metadata/properties/metaAttributes" ct:_="" ma:_="" ma:contentTypeName="Document" ma:contentTypeID="0x0101003F9DEC66FF0BE046AA8833F30C1EF9E3" ma:contentTypeVersion="2" ma:contentTypeDescription="Create a new document." ma:contentTypeScope="" ma:versionID="2cb38bb42f3a98ed64b1a2b7ee23d80d">
+  <xsd:schema xmlns:xsd="http://www.w3.org/2001/XMLSchema" xmlns:xs="http://www.w3.org/2001/XMLSchema" xmlns:p="http://schemas.microsoft.com/office/2006/metadata/properties" xmlns:ns2="05bd553a-5ff0-4262-9ea3-7140608e2e27" targetNamespace="http://schemas.microsoft.com/office/2006/metadata/properties" ma:root="true" ma:fieldsID="8be209923d142a8c5b2c77de859f29da" ns2:_="">
+    <xsd:import namespace="05bd553a-5ff0-4262-9ea3-7140608e2e27"/>
+    <xsd:element name="properties">
+      <xsd:complexType>
+        <xsd:sequence>
+          <xsd:element name="documentManagement">
+            <xsd:complexType>
+              <xsd:all>
+                <xsd:element ref="ns2:MediaServiceMetadata" minOccurs="0"/>
+                <xsd:element ref="ns2:MediaServiceFastMetadata" minOccurs="0"/>
+              </xsd:all>
+            </xsd:complexType>
+          </xsd:element>
+        </xsd:sequence>
+      </xsd:complexType>
+    </xsd:element>
+  </xsd:schema>
+  <xsd:schema xmlns:xsd="http://www.w3.org/2001/XMLSchema" xmlns:xs="http://www.w3.org/2001/XMLSchema" xmlns:dms="http://schemas.microsoft.com/office/2006/documentManagement/types" xmlns:pc="http://schemas.microsoft.com/office/infopath/2007/PartnerControls" targetNamespace="05bd553a-5ff0-4262-9ea3-7140608e2e27" elementFormDefault="qualified">
+    <xsd:import namespace="http://schemas.microsoft.com/office/2006/documentManagement/types"/>
+    <xsd:import namespace="http://schemas.microsoft.com/office/infopath/2007/PartnerControls"/>
+    <xsd:element name="MediaServiceMetadata" ma:index="8" nillable="true" ma:displayName="MediaServiceMetadata" ma:hidden="true" ma:internalName="MediaServiceMetadata" ma:readOnly="true">
+      <xsd:simpleType>
+        <xsd:restriction base="dms:Note"/>
+      </xsd:simpleType>
+    </xsd:element>
+    <xsd:element name="MediaServiceFastMetadata" ma:index="9" nillable="true" ma:displayName="MediaServiceFastMetadata" ma:hidden="true" ma:internalName="MediaServiceFastMetadata" ma:readOnly="true">
+      <xsd:simpleType>
+        <xsd:restriction base="dms:Note"/>
+      </xsd:simpleType>
+    </xsd:element>
+  </xsd:schema>
+  <xsd:schema xmlns="http://schemas.openxmlformats.org/package/2006/metadata/core-properties" xmlns:xsd="http://www.w3.org/2001/XMLSchema" xmlns:xsi="http://www.w3.org/2001/XMLSchema-instance" xmlns:dc="http://purl.org/dc/elements/1.1/" xmlns:dcterms="http://purl.org/dc/terms/" xmlns:odoc="http://schemas.microsoft.com/internal/obd" targetNamespace="http://schemas.openxmlformats.org/package/2006/metadata/core-properties" elementFormDefault="qualified" attributeFormDefault="unqualified" blockDefault="#all">
+    <xsd:import namespace="http://purl.org/dc/elements/1.1/" schemaLocation="http://dublincore.org/schemas/xmls/qdc/2003/04/02/dc.xsd"/>
+    <xsd:import namespace="http://purl.org/dc/terms/" schemaLocation="http://dublincore.org/schemas/xmls/qdc/2003/04/02/dcterms.xsd"/>
+    <xsd:element name="coreProperties" type="CT_coreProperties"/>
+    <xsd:complexType name="CT_coreProperties">
+      <xsd:all>
+        <xsd:element ref="dc:creator" minOccurs="0" maxOccurs="1"/>
+        <xsd:element ref="dcterms:created" minOccurs="0" maxOccurs="1"/>
+        <xsd:element ref="dc:identifier" minOccurs="0" maxOccurs="1"/>
+        <xsd:element name="contentType" minOccurs="0" maxOccurs="1" type="xsd:string" ma:index="0" ma:displayName="Content Type"/>
+        <xsd:element ref="dc:title" minOccurs="0" maxOccurs="1" ma:index="4" ma:displayName="Title"/>
+        <xsd:element ref="dc:subject" minOccurs="0" maxOccurs="1"/>
+        <xsd:element ref="dc:description" minOccurs="0" maxOccurs="1"/>
+        <xsd:element name="keywords" minOccurs="0" maxOccurs="1" type="xsd:string"/>
+        <xsd:element ref="dc:language" minOccurs="0" maxOccurs="1"/>
+        <xsd:element name="category" minOccurs="0" maxOccurs="1" type="xsd:string"/>
+        <xsd:element name="version" minOccurs="0" maxOccurs="1" type="xsd:string"/>
+        <xsd:element name="revision" minOccurs="0" maxOccurs="1" type="xsd:string">
+          <xsd:annotation>
+            <xsd:documentation>
+                        This value indicates the number of saves or revisions. The application is responsible for updating this value after each revision.
+                    </xsd:documentation>
+          </xsd:annotation>
+        </xsd:element>
+        <xsd:element name="lastModifiedBy" minOccurs="0" maxOccurs="1" type="xsd:string"/>
+        <xsd:element ref="dcterms:modified" minOccurs="0" maxOccurs="1"/>
+        <xsd:element name="contentStatus" minOccurs="0" maxOccurs="1" type="xsd:string"/>
+      </xsd:all>
+    </xsd:complexType>
+  </xsd:schema>
+  <xs:schema xmlns:pc="http://schemas.microsoft.com/office/infopath/2007/PartnerControls" xmlns:xs="http://www.w3.org/2001/XMLSchema" targetNamespace="http://schemas.microsoft.com/office/infopath/2007/PartnerControls" elementFormDefault="qualified" attributeFormDefault="unqualified">
+    <xs:element name="Person">
+      <xs:complexType>
+        <xs:sequence>
+          <xs:element ref="pc:DisplayName" minOccurs="0"/>
+          <xs:element ref="pc:AccountId" minOccurs="0"/>
+          <xs:element ref="pc:AccountType" minOccurs="0"/>
+        </xs:sequence>
+      </xs:complexType>
+    </xs:element>
+    <xs:element name="DisplayName" type="xs:string"/>
+    <xs:element name="AccountId" type="xs:string"/>
+    <xs:element name="AccountType" type="xs:string"/>
+    <xs:element name="BDCAssociatedEntity">
+      <xs:complexType>
+        <xs:sequence>
+          <xs:element ref="pc:BDCEntity" minOccurs="0" maxOccurs="unbounded"/>
+        </xs:sequence>
+        <xs:attribute ref="pc:EntityNamespace"/>
+        <xs:attribute ref="pc:EntityName"/>
+        <xs:attribute ref="pc:SystemInstanceName"/>
+        <xs:attribute ref="pc:AssociationName"/>
+      </xs:complexType>
+    </xs:element>
+    <xs:attribute name="EntityNamespace" type="xs:string"/>
+    <xs:attribute name="EntityName" type="xs:string"/>
+    <xs:attribute name="SystemInstanceName" type="xs:string"/>
+    <xs:attribute name="AssociationName" type="xs:string"/>
+    <xs:element name="BDCEntity">
+      <xs:complexType>
+        <xs:sequence>
+          <xs:element ref="pc:EntityDisplayName" minOccurs="0"/>
+          <xs:element ref="pc:EntityInstanceReference" minOccurs="0"/>
+          <xs:element ref="pc:EntityId1" minOccurs="0"/>
+          <xs:element ref="pc:EntityId2" minOccurs="0"/>
+          <xs:element ref="pc:EntityId3" minOccurs="0"/>
+          <xs:element ref="pc:EntityId4" minOccurs="0"/>
+          <xs:element ref="pc:EntityId5" minOccurs="0"/>
+        </xs:sequence>
+      </xs:complexType>
+    </xs:element>
+    <xs:element name="EntityDisplayName" type="xs:string"/>
+    <xs:element name="EntityInstanceReference" type="xs:string"/>
+    <xs:element name="EntityId1" type="xs:string"/>
+    <xs:element name="EntityId2" type="xs:string"/>
+    <xs:element name="EntityId3" type="xs:string"/>
+    <xs:element name="EntityId4" type="xs:string"/>
+    <xs:element name="EntityId5" type="xs:string"/>
+    <xs:element name="Terms">
+      <xs:complexType>
+        <xs:sequence>
+          <xs:element ref="pc:TermInfo" minOccurs="0" maxOccurs="unbounded"/>
+        </xs:sequence>
+      </xs:complexType>
+    </xs:element>
+    <xs:element name="TermInfo">
+      <xs:complexType>
+        <xs:sequence>
+          <xs:element ref="pc:TermName" minOccurs="0"/>
+          <xs:element ref="pc:TermId" minOccurs="0"/>
+        </xs:sequence>
+      </xs:complexType>
+    </xs:element>
+    <xs:element name="TermName" type="xs:string"/>
+    <xs:element name="TermId" type="xs:string"/>
+  </xs:schema>
+</ct:contentTypeSchema>
+</file>
+
+<file path=customXml/item2.xml><?xml version="1.0" encoding="utf-8"?>
+<?mso-contentType ?>
+<FormTemplates xmlns="http://schemas.microsoft.com/sharepoint/v3/contenttype/forms">
+  <Display>DocumentLibraryForm</Display>
+  <Edit>DocumentLibraryForm</Edit>
+  <New>DocumentLibraryForm</New>
+</FormTemplates>
+</file>
+
+<file path=customXml/item3.xml><?xml version="1.0" encoding="utf-8"?>
+<p:properties xmlns:p="http://schemas.microsoft.com/office/2006/metadata/properties" xmlns:xsi="http://www.w3.org/2001/XMLSchema-instance" xmlns:pc="http://schemas.microsoft.com/office/infopath/2007/PartnerControls">
+  <documentManagement/>
+</p:properties>
+</file>
+
+<file path=customXml/itemProps1.xml><?xml version="1.0" encoding="utf-8"?>
+<ds:datastoreItem xmlns:ds="http://schemas.openxmlformats.org/officeDocument/2006/customXml" ds:itemID="{E37BCEAB-D907-47DA-9C9F-B390C4623D24}"/>
+</file>
+
+<file path=customXml/itemProps2.xml><?xml version="1.0" encoding="utf-8"?>
+<ds:datastoreItem xmlns:ds="http://schemas.openxmlformats.org/officeDocument/2006/customXml" ds:itemID="{E873E2E7-57AF-4857-A8E8-244AF3EB31D6}"/>
+</file>
+
+<file path=customXml/itemProps3.xml><?xml version="1.0" encoding="utf-8"?>
+<ds:datastoreItem xmlns:ds="http://schemas.openxmlformats.org/officeDocument/2006/customXml" ds:itemID="{0FF574A4-A05C-4F9B-83A0-D7C74A7B0564}"/>
 </file>